--- a/IDPA/Home-made Body Armour.pptx
+++ b/IDPA/Home-made Body Armour.pptx
@@ -9,7 +9,7 @@
   </p:notesMasterIdLst>
   <p:sldIdLst>
     <p:sldId id="274" r:id="rId2"/>
-    <p:sldId id="282" r:id="rId3"/>
+    <p:sldId id="283" r:id="rId3"/>
   </p:sldIdLst>
   <p:sldSz cx="7315200" cy="9601200"/>
   <p:notesSz cx="7315200" cy="9601200"/>
@@ -336,7 +336,7 @@
               <a:pPr>
                 <a:defRPr/>
               </a:pPr>
-              <a:t>16.11.2018</a:t>
+              <a:t>23.12.2018</a:t>
             </a:fld>
             <a:endParaRPr lang="en-US"/>
           </a:p>
@@ -736,7 +736,7 @@
                 <a:spcPct val="0"/>
               </a:spcBef>
             </a:pPr>
-            <a:endParaRPr lang="en-US" altLang="en-US" dirty="0"/>
+            <a:endParaRPr lang="en-US" altLang="en-US"/>
           </a:p>
         </p:txBody>
       </p:sp>
@@ -4303,541 +4303,6 @@
           <a:chExt cx="0" cy="0"/>
         </a:xfrm>
       </p:grpSpPr>
-      <p:grpSp>
-        <p:nvGrpSpPr>
-          <p:cNvPr id="165" name="Group 170">
-            <a:extLst>
-              <a:ext uri="{FF2B5EF4-FFF2-40B4-BE49-F238E27FC236}">
-                <a16:creationId xmlns:a16="http://schemas.microsoft.com/office/drawing/2014/main" id="{39891DD7-E0C0-45D6-8E9C-F408D179B095}"/>
-              </a:ext>
-            </a:extLst>
-          </p:cNvPr>
-          <p:cNvGrpSpPr>
-            <a:grpSpLocks/>
-          </p:cNvGrpSpPr>
-          <p:nvPr/>
-        </p:nvGrpSpPr>
-        <p:grpSpPr bwMode="auto">
-          <a:xfrm>
-            <a:off x="3083487" y="5643535"/>
-            <a:ext cx="288925" cy="787400"/>
-            <a:chOff x="1008" y="2592"/>
-            <a:chExt cx="182" cy="496"/>
-          </a:xfrm>
-        </p:grpSpPr>
-        <p:sp>
-          <p:nvSpPr>
-            <p:cNvPr id="166" name="Line 171">
-              <a:extLst>
-                <a:ext uri="{FF2B5EF4-FFF2-40B4-BE49-F238E27FC236}">
-                  <a16:creationId xmlns:a16="http://schemas.microsoft.com/office/drawing/2014/main" id="{891E96A2-AC54-4927-89EB-D28AB792E5B2}"/>
-                </a:ext>
-              </a:extLst>
-            </p:cNvPr>
-            <p:cNvSpPr>
-              <a:spLocks noChangeShapeType="1"/>
-            </p:cNvSpPr>
-            <p:nvPr/>
-          </p:nvSpPr>
-          <p:spPr bwMode="auto">
-            <a:xfrm>
-              <a:off x="1019" y="2836"/>
-              <a:ext cx="0" cy="252"/>
-            </a:xfrm>
-            <a:prstGeom prst="line">
-              <a:avLst/>
-            </a:prstGeom>
-            <a:noFill/>
-            <a:ln w="28575">
-              <a:solidFill>
-                <a:schemeClr val="tx1"/>
-              </a:solidFill>
-              <a:round/>
-              <a:headEnd/>
-              <a:tailEnd/>
-            </a:ln>
-            <a:extLst>
-              <a:ext uri="{909E8E84-426E-40DD-AFC4-6F175D3DCCD1}">
-                <a14:hiddenFill xmlns:a14="http://schemas.microsoft.com/office/drawing/2010/main">
-                  <a:noFill/>
-                </a14:hiddenFill>
-              </a:ext>
-            </a:extLst>
-          </p:spPr>
-          <p:txBody>
-            <a:bodyPr wrap="none" anchor="ctr"/>
-            <a:lstStyle/>
-            <a:p>
-              <a:endParaRPr lang="en-US"/>
-            </a:p>
-          </p:txBody>
-        </p:sp>
-        <p:sp>
-          <p:nvSpPr>
-            <p:cNvPr id="167" name="Line 172">
-              <a:extLst>
-                <a:ext uri="{FF2B5EF4-FFF2-40B4-BE49-F238E27FC236}">
-                  <a16:creationId xmlns:a16="http://schemas.microsoft.com/office/drawing/2014/main" id="{79D736E8-643C-498A-9970-35A4AE9890A7}"/>
-                </a:ext>
-              </a:extLst>
-            </p:cNvPr>
-            <p:cNvSpPr>
-              <a:spLocks noChangeShapeType="1"/>
-            </p:cNvSpPr>
-            <p:nvPr/>
-          </p:nvSpPr>
-          <p:spPr bwMode="auto">
-            <a:xfrm>
-              <a:off x="1182" y="2836"/>
-              <a:ext cx="0" cy="252"/>
-            </a:xfrm>
-            <a:prstGeom prst="line">
-              <a:avLst/>
-            </a:prstGeom>
-            <a:noFill/>
-            <a:ln w="28575">
-              <a:solidFill>
-                <a:schemeClr val="tx1"/>
-              </a:solidFill>
-              <a:round/>
-              <a:headEnd/>
-              <a:tailEnd/>
-            </a:ln>
-            <a:extLst>
-              <a:ext uri="{909E8E84-426E-40DD-AFC4-6F175D3DCCD1}">
-                <a14:hiddenFill xmlns:a14="http://schemas.microsoft.com/office/drawing/2010/main">
-                  <a:noFill/>
-                </a14:hiddenFill>
-              </a:ext>
-            </a:extLst>
-          </p:spPr>
-          <p:txBody>
-            <a:bodyPr wrap="none" anchor="ctr"/>
-            <a:lstStyle/>
-            <a:p>
-              <a:endParaRPr lang="en-US"/>
-            </a:p>
-          </p:txBody>
-        </p:sp>
-        <p:grpSp>
-          <p:nvGrpSpPr>
-            <p:cNvPr id="168" name="Group 173">
-              <a:extLst>
-                <a:ext uri="{FF2B5EF4-FFF2-40B4-BE49-F238E27FC236}">
-                  <a16:creationId xmlns:a16="http://schemas.microsoft.com/office/drawing/2014/main" id="{A7AB0F4F-8A81-4DC0-A8B7-AB8134E86A20}"/>
-                </a:ext>
-              </a:extLst>
-            </p:cNvPr>
-            <p:cNvGrpSpPr>
-              <a:grpSpLocks/>
-            </p:cNvGrpSpPr>
-            <p:nvPr/>
-          </p:nvGrpSpPr>
-          <p:grpSpPr bwMode="auto">
-            <a:xfrm>
-              <a:off x="1008" y="2592"/>
-              <a:ext cx="182" cy="331"/>
-              <a:chOff x="1008" y="2592"/>
-              <a:chExt cx="182" cy="331"/>
-            </a:xfrm>
-          </p:grpSpPr>
-          <p:sp>
-            <p:nvSpPr>
-              <p:cNvPr id="169" name="Freeform 174">
-                <a:extLst>
-                  <a:ext uri="{FF2B5EF4-FFF2-40B4-BE49-F238E27FC236}">
-                    <a16:creationId xmlns:a16="http://schemas.microsoft.com/office/drawing/2014/main" id="{5D3839FE-BBBB-4874-B08B-D42E178A76B7}"/>
-                  </a:ext>
-                </a:extLst>
-              </p:cNvPr>
-              <p:cNvSpPr>
-                <a:spLocks/>
-              </p:cNvSpPr>
-              <p:nvPr/>
-            </p:nvSpPr>
-            <p:spPr bwMode="auto">
-              <a:xfrm>
-                <a:off x="1009" y="2592"/>
-                <a:ext cx="181" cy="331"/>
-              </a:xfrm>
-              <a:custGeom>
-                <a:avLst/>
-                <a:gdLst>
-                  <a:gd name="T0" fmla="*/ 1 w 277"/>
-                  <a:gd name="T1" fmla="*/ 0 h 517"/>
-                  <a:gd name="T2" fmla="*/ 1 w 277"/>
-                  <a:gd name="T3" fmla="*/ 0 h 517"/>
-                  <a:gd name="T4" fmla="*/ 1 w 277"/>
-                  <a:gd name="T5" fmla="*/ 1 h 517"/>
-                  <a:gd name="T6" fmla="*/ 1 w 277"/>
-                  <a:gd name="T7" fmla="*/ 1 h 517"/>
-                  <a:gd name="T8" fmla="*/ 1 w 277"/>
-                  <a:gd name="T9" fmla="*/ 1 h 517"/>
-                  <a:gd name="T10" fmla="*/ 1 w 277"/>
-                  <a:gd name="T11" fmla="*/ 1 h 517"/>
-                  <a:gd name="T12" fmla="*/ 1 w 277"/>
-                  <a:gd name="T13" fmla="*/ 1 h 517"/>
-                  <a:gd name="T14" fmla="*/ 1 w 277"/>
-                  <a:gd name="T15" fmla="*/ 1 h 517"/>
-                  <a:gd name="T16" fmla="*/ 0 w 277"/>
-                  <a:gd name="T17" fmla="*/ 1 h 517"/>
-                  <a:gd name="T18" fmla="*/ 0 w 277"/>
-                  <a:gd name="T19" fmla="*/ 1 h 517"/>
-                  <a:gd name="T20" fmla="*/ 1 w 277"/>
-                  <a:gd name="T21" fmla="*/ 1 h 517"/>
-                  <a:gd name="T22" fmla="*/ 1 w 277"/>
-                  <a:gd name="T23" fmla="*/ 1 h 517"/>
-                  <a:gd name="T24" fmla="*/ 1 w 277"/>
-                  <a:gd name="T25" fmla="*/ 0 h 517"/>
-                  <a:gd name="T26" fmla="*/ 0 60000 65536"/>
-                  <a:gd name="T27" fmla="*/ 0 60000 65536"/>
-                  <a:gd name="T28" fmla="*/ 0 60000 65536"/>
-                  <a:gd name="T29" fmla="*/ 0 60000 65536"/>
-                  <a:gd name="T30" fmla="*/ 0 60000 65536"/>
-                  <a:gd name="T31" fmla="*/ 0 60000 65536"/>
-                  <a:gd name="T32" fmla="*/ 0 60000 65536"/>
-                  <a:gd name="T33" fmla="*/ 0 60000 65536"/>
-                  <a:gd name="T34" fmla="*/ 0 60000 65536"/>
-                  <a:gd name="T35" fmla="*/ 0 60000 65536"/>
-                  <a:gd name="T36" fmla="*/ 0 60000 65536"/>
-                  <a:gd name="T37" fmla="*/ 0 60000 65536"/>
-                  <a:gd name="T38" fmla="*/ 0 60000 65536"/>
-                  <a:gd name="T39" fmla="*/ 0 w 277"/>
-                  <a:gd name="T40" fmla="*/ 0 h 517"/>
-                  <a:gd name="T41" fmla="*/ 277 w 277"/>
-                  <a:gd name="T42" fmla="*/ 517 h 517"/>
-                </a:gdLst>
-                <a:ahLst/>
-                <a:cxnLst>
-                  <a:cxn ang="T26">
-                    <a:pos x="T0" y="T1"/>
-                  </a:cxn>
-                  <a:cxn ang="T27">
-                    <a:pos x="T2" y="T3"/>
-                  </a:cxn>
-                  <a:cxn ang="T28">
-                    <a:pos x="T4" y="T5"/>
-                  </a:cxn>
-                  <a:cxn ang="T29">
-                    <a:pos x="T6" y="T7"/>
-                  </a:cxn>
-                  <a:cxn ang="T30">
-                    <a:pos x="T8" y="T9"/>
-                  </a:cxn>
-                  <a:cxn ang="T31">
-                    <a:pos x="T10" y="T11"/>
-                  </a:cxn>
-                  <a:cxn ang="T32">
-                    <a:pos x="T12" y="T13"/>
-                  </a:cxn>
-                  <a:cxn ang="T33">
-                    <a:pos x="T14" y="T15"/>
-                  </a:cxn>
-                  <a:cxn ang="T34">
-                    <a:pos x="T16" y="T17"/>
-                  </a:cxn>
-                  <a:cxn ang="T35">
-                    <a:pos x="T18" y="T19"/>
-                  </a:cxn>
-                  <a:cxn ang="T36">
-                    <a:pos x="T20" y="T21"/>
-                  </a:cxn>
-                  <a:cxn ang="T37">
-                    <a:pos x="T22" y="T23"/>
-                  </a:cxn>
-                  <a:cxn ang="T38">
-                    <a:pos x="T24" y="T25"/>
-                  </a:cxn>
-                </a:cxnLst>
-                <a:rect l="T39" t="T40" r="T41" b="T42"/>
-                <a:pathLst>
-                  <a:path w="277" h="517">
-                    <a:moveTo>
-                      <a:pt x="89" y="0"/>
-                    </a:moveTo>
-                    <a:lnTo>
-                      <a:pt x="191" y="0"/>
-                    </a:lnTo>
-                    <a:lnTo>
-                      <a:pt x="191" y="105"/>
-                    </a:lnTo>
-                    <a:lnTo>
-                      <a:pt x="225" y="105"/>
-                    </a:lnTo>
-                    <a:lnTo>
-                      <a:pt x="276" y="139"/>
-                    </a:lnTo>
-                    <a:lnTo>
-                      <a:pt x="276" y="415"/>
-                    </a:lnTo>
-                    <a:lnTo>
-                      <a:pt x="225" y="516"/>
-                    </a:lnTo>
-                    <a:lnTo>
-                      <a:pt x="51" y="516"/>
-                    </a:lnTo>
-                    <a:lnTo>
-                      <a:pt x="0" y="415"/>
-                    </a:lnTo>
-                    <a:lnTo>
-                      <a:pt x="0" y="139"/>
-                    </a:lnTo>
-                    <a:lnTo>
-                      <a:pt x="51" y="105"/>
-                    </a:lnTo>
-                    <a:lnTo>
-                      <a:pt x="89" y="105"/>
-                    </a:lnTo>
-                    <a:lnTo>
-                      <a:pt x="89" y="0"/>
-                    </a:lnTo>
-                  </a:path>
-                </a:pathLst>
-              </a:custGeom>
-              <a:solidFill>
-                <a:srgbClr val="FFCC99"/>
-              </a:solidFill>
-              <a:ln w="12700" cap="rnd">
-                <a:solidFill>
-                  <a:schemeClr val="tx1"/>
-                </a:solidFill>
-                <a:round/>
-                <a:headEnd/>
-                <a:tailEnd/>
-              </a:ln>
-            </p:spPr>
-            <p:txBody>
-              <a:bodyPr/>
-              <a:lstStyle/>
-              <a:p>
-                <a:endParaRPr lang="en-US"/>
-              </a:p>
-            </p:txBody>
-          </p:sp>
-          <p:sp>
-            <p:nvSpPr>
-              <p:cNvPr id="170" name="Freeform 175">
-                <a:extLst>
-                  <a:ext uri="{FF2B5EF4-FFF2-40B4-BE49-F238E27FC236}">
-                    <a16:creationId xmlns:a16="http://schemas.microsoft.com/office/drawing/2014/main" id="{F718E596-5785-4326-BB32-9A7C0B2239D4}"/>
-                  </a:ext>
-                </a:extLst>
-              </p:cNvPr>
-              <p:cNvSpPr>
-                <a:spLocks/>
-              </p:cNvSpPr>
-              <p:nvPr/>
-            </p:nvSpPr>
-            <p:spPr bwMode="auto">
-              <a:xfrm>
-                <a:off x="1008" y="2685"/>
-                <a:ext cx="182" cy="237"/>
-              </a:xfrm>
-              <a:custGeom>
-                <a:avLst/>
-                <a:gdLst>
-                  <a:gd name="T0" fmla="*/ 0 w 182"/>
-                  <a:gd name="T1" fmla="*/ 0 h 237"/>
-                  <a:gd name="T2" fmla="*/ 182 w 182"/>
-                  <a:gd name="T3" fmla="*/ 0 h 237"/>
-                  <a:gd name="T4" fmla="*/ 182 w 182"/>
-                  <a:gd name="T5" fmla="*/ 170 h 237"/>
-                  <a:gd name="T6" fmla="*/ 146 w 182"/>
-                  <a:gd name="T7" fmla="*/ 237 h 237"/>
-                  <a:gd name="T8" fmla="*/ 35 w 182"/>
-                  <a:gd name="T9" fmla="*/ 237 h 237"/>
-                  <a:gd name="T10" fmla="*/ 0 w 182"/>
-                  <a:gd name="T11" fmla="*/ 173 h 237"/>
-                  <a:gd name="T12" fmla="*/ 0 w 182"/>
-                  <a:gd name="T13" fmla="*/ 0 h 237"/>
-                  <a:gd name="T14" fmla="*/ 0 60000 65536"/>
-                  <a:gd name="T15" fmla="*/ 0 60000 65536"/>
-                  <a:gd name="T16" fmla="*/ 0 60000 65536"/>
-                  <a:gd name="T17" fmla="*/ 0 60000 65536"/>
-                  <a:gd name="T18" fmla="*/ 0 60000 65536"/>
-                  <a:gd name="T19" fmla="*/ 0 60000 65536"/>
-                  <a:gd name="T20" fmla="*/ 0 60000 65536"/>
-                  <a:gd name="T21" fmla="*/ 0 w 182"/>
-                  <a:gd name="T22" fmla="*/ 0 h 237"/>
-                  <a:gd name="T23" fmla="*/ 182 w 182"/>
-                  <a:gd name="T24" fmla="*/ 237 h 237"/>
-                </a:gdLst>
-                <a:ahLst/>
-                <a:cxnLst>
-                  <a:cxn ang="T14">
-                    <a:pos x="T0" y="T1"/>
-                  </a:cxn>
-                  <a:cxn ang="T15">
-                    <a:pos x="T2" y="T3"/>
-                  </a:cxn>
-                  <a:cxn ang="T16">
-                    <a:pos x="T4" y="T5"/>
-                  </a:cxn>
-                  <a:cxn ang="T17">
-                    <a:pos x="T6" y="T7"/>
-                  </a:cxn>
-                  <a:cxn ang="T18">
-                    <a:pos x="T8" y="T9"/>
-                  </a:cxn>
-                  <a:cxn ang="T19">
-                    <a:pos x="T10" y="T11"/>
-                  </a:cxn>
-                  <a:cxn ang="T20">
-                    <a:pos x="T12" y="T13"/>
-                  </a:cxn>
-                </a:cxnLst>
-                <a:rect l="T21" t="T22" r="T23" b="T24"/>
-                <a:pathLst>
-                  <a:path w="182" h="237">
-                    <a:moveTo>
-                      <a:pt x="0" y="0"/>
-                    </a:moveTo>
-                    <a:lnTo>
-                      <a:pt x="182" y="0"/>
-                    </a:lnTo>
-                    <a:lnTo>
-                      <a:pt x="182" y="170"/>
-                    </a:lnTo>
-                    <a:lnTo>
-                      <a:pt x="146" y="237"/>
-                    </a:lnTo>
-                    <a:lnTo>
-                      <a:pt x="35" y="237"/>
-                    </a:lnTo>
-                    <a:lnTo>
-                      <a:pt x="0" y="173"/>
-                    </a:lnTo>
-                    <a:lnTo>
-                      <a:pt x="0" y="0"/>
-                    </a:lnTo>
-                    <a:close/>
-                  </a:path>
-                </a:pathLst>
-              </a:custGeom>
-              <a:solidFill>
-                <a:schemeClr val="tx1"/>
-              </a:solidFill>
-              <a:ln w="0">
-                <a:solidFill>
-                  <a:schemeClr val="tx1"/>
-                </a:solidFill>
-                <a:round/>
-                <a:headEnd/>
-                <a:tailEnd/>
-              </a:ln>
-            </p:spPr>
-            <p:txBody>
-              <a:bodyPr/>
-              <a:lstStyle/>
-              <a:p>
-                <a:endParaRPr lang="en-US"/>
-              </a:p>
-            </p:txBody>
-          </p:sp>
-        </p:grpSp>
-      </p:grpSp>
-      <p:sp>
-        <p:nvSpPr>
-          <p:cNvPr id="113" name="Freeform 301">
-            <a:extLst>
-              <a:ext uri="{FF2B5EF4-FFF2-40B4-BE49-F238E27FC236}">
-                <a16:creationId xmlns:a16="http://schemas.microsoft.com/office/drawing/2014/main" id="{CD87997C-F50E-49F5-BDD8-A1F5E073DE4D}"/>
-              </a:ext>
-            </a:extLst>
-          </p:cNvPr>
-          <p:cNvSpPr>
-            <a:spLocks/>
-          </p:cNvSpPr>
-          <p:nvPr/>
-        </p:nvSpPr>
-        <p:spPr bwMode="auto">
-          <a:xfrm flipH="1">
-            <a:off x="4029666" y="5296548"/>
-            <a:ext cx="123285" cy="1525533"/>
-          </a:xfrm>
-          <a:custGeom>
-            <a:avLst/>
-            <a:gdLst>
-              <a:gd name="T0" fmla="*/ 0 w 240"/>
-              <a:gd name="T1" fmla="*/ 231401 h 840"/>
-              <a:gd name="T2" fmla="*/ 75637390 w 240"/>
-              <a:gd name="T3" fmla="*/ 404798 h 840"/>
-              <a:gd name="T4" fmla="*/ 75637390 w 240"/>
-              <a:gd name="T5" fmla="*/ 57599 h 840"/>
-              <a:gd name="T6" fmla="*/ 0 w 240"/>
-              <a:gd name="T7" fmla="*/ 0 h 840"/>
-              <a:gd name="T8" fmla="*/ 0 w 240"/>
-              <a:gd name="T9" fmla="*/ 231401 h 840"/>
-              <a:gd name="T10" fmla="*/ 0 60000 65536"/>
-              <a:gd name="T11" fmla="*/ 0 60000 65536"/>
-              <a:gd name="T12" fmla="*/ 0 60000 65536"/>
-              <a:gd name="T13" fmla="*/ 0 60000 65536"/>
-              <a:gd name="T14" fmla="*/ 0 60000 65536"/>
-              <a:gd name="T15" fmla="*/ 0 w 240"/>
-              <a:gd name="T16" fmla="*/ 0 h 840"/>
-              <a:gd name="T17" fmla="*/ 240 w 240"/>
-              <a:gd name="T18" fmla="*/ 840 h 840"/>
-            </a:gdLst>
-            <a:ahLst/>
-            <a:cxnLst>
-              <a:cxn ang="T10">
-                <a:pos x="T0" y="T1"/>
-              </a:cxn>
-              <a:cxn ang="T11">
-                <a:pos x="T2" y="T3"/>
-              </a:cxn>
-              <a:cxn ang="T12">
-                <a:pos x="T4" y="T5"/>
-              </a:cxn>
-              <a:cxn ang="T13">
-                <a:pos x="T6" y="T7"/>
-              </a:cxn>
-              <a:cxn ang="T14">
-                <a:pos x="T8" y="T9"/>
-              </a:cxn>
-            </a:cxnLst>
-            <a:rect l="T15" t="T16" r="T17" b="T18"/>
-            <a:pathLst>
-              <a:path w="240" h="840">
-                <a:moveTo>
-                  <a:pt x="0" y="480"/>
-                </a:moveTo>
-                <a:lnTo>
-                  <a:pt x="240" y="840"/>
-                </a:lnTo>
-                <a:lnTo>
-                  <a:pt x="240" y="120"/>
-                </a:lnTo>
-                <a:lnTo>
-                  <a:pt x="0" y="0"/>
-                </a:lnTo>
-                <a:lnTo>
-                  <a:pt x="0" y="480"/>
-                </a:lnTo>
-                <a:close/>
-              </a:path>
-            </a:pathLst>
-          </a:custGeom>
-          <a:solidFill>
-            <a:schemeClr val="accent1"/>
-          </a:solidFill>
-          <a:ln w="9525">
-            <a:solidFill>
-              <a:schemeClr val="tx1"/>
-            </a:solidFill>
-            <a:round/>
-            <a:headEnd/>
-            <a:tailEnd/>
-          </a:ln>
-        </p:spPr>
-        <p:txBody>
-          <a:bodyPr wrap="none" anchor="ctr"/>
-          <a:lstStyle/>
-          <a:p>
-            <a:endParaRPr lang="en-US"/>
-          </a:p>
-        </p:txBody>
-      </p:sp>
       <p:graphicFrame>
         <p:nvGraphicFramePr>
           <p:cNvPr id="56" name="Group 29"/>
@@ -4847,7 +4312,7 @@
           <p:nvPr>
             <p:extLst>
               <p:ext uri="{D42A27DB-BD31-4B8C-83A1-F6EECF244321}">
-                <p14:modId xmlns:p14="http://schemas.microsoft.com/office/powerpoint/2010/main" val="2906554682"/>
+                <p14:modId xmlns:p14="http://schemas.microsoft.com/office/powerpoint/2010/main" val="1941272265"/>
               </p:ext>
             </p:extLst>
           </p:nvPr>
@@ -4994,7 +4459,7 @@
                           <a:latin typeface="Arial" charset="0"/>
                           <a:cs typeface="Times New Roman" charset="0"/>
                         </a:rPr>
-                        <a:t>Renton Fish and Game</a:t>
+                        <a:t>Interlake Sporting Association</a:t>
                       </a:r>
                     </a:p>
                     <a:p>
@@ -5026,26 +4491,21 @@
                           <a:latin typeface="Arial" charset="0"/>
                           <a:cs typeface="Times New Roman" charset="0"/>
                         </a:rPr>
-                        <a:t>Bay 3</a:t>
+                        <a:t>SUR, A</a:t>
                       </a:r>
-                    </a:p>
-                    <a:p>
-                      <a:pPr marL="0" marR="0" lvl="0" indent="0" algn="ctr" defTabSz="966788" rtl="0" eaLnBrk="1" fontAlgn="base" latinLnBrk="0" hangingPunct="1">
-                        <a:lnSpc>
-                          <a:spcPct val="100000"/>
-                        </a:lnSpc>
-                        <a:spcBef>
-                          <a:spcPct val="20000"/>
-                        </a:spcBef>
-                        <a:spcAft>
-                          <a:spcPct val="0"/>
-                        </a:spcAft>
-                        <a:buClrTx/>
-                        <a:buSzTx/>
-                        <a:buFontTx/>
-                        <a:buNone/>
-                        <a:tabLst/>
-                      </a:pPr>
+                      <a:br>
+                        <a:rPr kumimoji="0" lang="en-US" sz="1200" b="1" i="0" u="none" strike="noStrike" cap="none" normalizeH="0" baseline="0" dirty="0">
+                          <a:ln>
+                            <a:noFill/>
+                          </a:ln>
+                          <a:solidFill>
+                            <a:schemeClr val="tx1"/>
+                          </a:solidFill>
+                          <a:effectLst/>
+                          <a:latin typeface="Arial" charset="0"/>
+                          <a:cs typeface="Times New Roman" charset="0"/>
+                        </a:rPr>
+                      </a:br>
                       <a:r>
                         <a:rPr kumimoji="0" lang="en-US" sz="1200" b="1" i="0" u="none" strike="noStrike" kern="1200" cap="none" normalizeH="0" baseline="0" dirty="0">
                           <a:ln>
@@ -5076,36 +4536,20 @@
                         </a:rPr>
                         <a:t>Armour</a:t>
                       </a:r>
-                      <a:endParaRPr kumimoji="0" lang="en-US" sz="1200" b="1" i="0" u="none" strike="noStrike" kern="1200" cap="none" normalizeH="0" baseline="0" dirty="0">
-                        <a:ln>
-                          <a:noFill/>
-                        </a:ln>
-                        <a:solidFill>
-                          <a:schemeClr val="tx1"/>
-                        </a:solidFill>
-                        <a:effectLst/>
-                        <a:latin typeface="Arial" charset="0"/>
-                        <a:ea typeface="+mn-ea"/>
-                        <a:cs typeface="+mn-cs"/>
-                      </a:endParaRPr>
-                    </a:p>
-                    <a:p>
-                      <a:pPr marL="0" marR="0" lvl="0" indent="0" algn="ctr" defTabSz="966788" rtl="0" eaLnBrk="1" fontAlgn="base" latinLnBrk="0" hangingPunct="1">
-                        <a:lnSpc>
-                          <a:spcPct val="100000"/>
-                        </a:lnSpc>
-                        <a:spcBef>
-                          <a:spcPct val="35000"/>
-                        </a:spcBef>
-                        <a:spcAft>
-                          <a:spcPct val="0"/>
-                        </a:spcAft>
-                        <a:buClrTx/>
-                        <a:buSzTx/>
-                        <a:buFontTx/>
-                        <a:buNone/>
-                        <a:tabLst/>
-                      </a:pPr>
+                      <a:br>
+                        <a:rPr kumimoji="0" lang="en-US" sz="1200" b="1" i="0" u="none" strike="noStrike" kern="1200" cap="none" normalizeH="0" baseline="0" dirty="0">
+                          <a:ln>
+                            <a:noFill/>
+                          </a:ln>
+                          <a:solidFill>
+                            <a:schemeClr val="tx1"/>
+                          </a:solidFill>
+                          <a:effectLst/>
+                          <a:latin typeface="Arial" charset="0"/>
+                          <a:ea typeface="+mn-ea"/>
+                          <a:cs typeface="+mn-cs"/>
+                        </a:rPr>
+                      </a:br>
                       <a:r>
                         <a:rPr kumimoji="0" lang="en-US" sz="1200" b="1" i="0" u="none" strike="noStrike" kern="1200" cap="none" normalizeH="0" baseline="0" dirty="0">
                           <a:ln>
@@ -5458,7 +4902,7 @@
                           <a:ea typeface="ＭＳ Ｐゴシック" pitchFamily="-112" charset="-128"/>
                           <a:cs typeface="Times New Roman" pitchFamily="-112" charset="0"/>
                         </a:rPr>
-                        <a:t>START POSITION: Standing with toes on line at P1, hands relaxed at sides</a:t>
+                        <a:t>START POSITION: Standing squarely facing the wall at P1, hands relaxed at sides</a:t>
                       </a:r>
                     </a:p>
                   </a:txBody>
@@ -5587,35 +5031,8 @@
                           <a:ea typeface="ＭＳ Ｐゴシック" pitchFamily="-112" charset="-128"/>
                           <a:cs typeface="Times New Roman" pitchFamily="-112" charset="0"/>
                         </a:rPr>
-                        <a:t>SCORING</a:t>
+                        <a:t>SCORING:                Unlimited</a:t>
                       </a:r>
-                      <a:r>
-                        <a:rPr kumimoji="0" lang="en-US" sz="1100" b="1" i="0" u="none" strike="noStrike" cap="none" normalizeH="0" baseline="0">
-                          <a:ln>
-                            <a:noFill/>
-                          </a:ln>
-                          <a:solidFill>
-                            <a:schemeClr val="tx1"/>
-                          </a:solidFill>
-                          <a:effectLst/>
-                          <a:latin typeface="Arial" charset="0"/>
-                          <a:ea typeface="ＭＳ Ｐゴシック" pitchFamily="-112" charset="-128"/>
-                          <a:cs typeface="Times New Roman" pitchFamily="-112" charset="0"/>
-                        </a:rPr>
-                        <a:t>:                Unlimited</a:t>
-                      </a:r>
-                      <a:endParaRPr kumimoji="0" lang="en-US" sz="1100" b="1" i="0" u="none" strike="noStrike" cap="none" normalizeH="0" baseline="0" dirty="0">
-                        <a:ln>
-                          <a:noFill/>
-                        </a:ln>
-                        <a:solidFill>
-                          <a:schemeClr val="tx1"/>
-                        </a:solidFill>
-                        <a:effectLst/>
-                        <a:latin typeface="Arial" charset="0"/>
-                        <a:ea typeface="ＭＳ Ｐゴシック" pitchFamily="-112" charset="-128"/>
-                        <a:cs typeface="Times New Roman" pitchFamily="-112" charset="0"/>
-                      </a:endParaRPr>
                     </a:p>
                     <a:p>
                       <a:pPr marL="0" marR="0" lvl="0" indent="0" algn="l" defTabSz="966788" rtl="0" eaLnBrk="0" fontAlgn="base" latinLnBrk="0" hangingPunct="0">
@@ -5813,7 +5230,7 @@
                           <a:ea typeface="ＭＳ Ｐゴシック" pitchFamily="-112" charset="-128"/>
                           <a:cs typeface="Times New Roman" pitchFamily="-112" charset="0"/>
                         </a:rPr>
-                        <a:t>Muzzle Safe Points: Muzzle safe markers / 180 degree rule</a:t>
+                        <a:t>Muzzle Safe Points: 180 degree rule</a:t>
                       </a:r>
                     </a:p>
                     <a:p>
@@ -5876,7 +5293,7 @@
                           <a:ea typeface="ＭＳ Ｐゴシック" pitchFamily="-112" charset="-128"/>
                           <a:cs typeface="Times New Roman" pitchFamily="-112" charset="0"/>
                         </a:rPr>
-                        <a:t>SO NOTES:PCC start with stock on belt, muzzle pointing downrange.</a:t>
+                        <a:t>SO NOTES:</a:t>
                       </a:r>
                     </a:p>
                   </a:txBody>
@@ -6197,156 +5614,6 @@
           </a:graphicData>
         </a:graphic>
       </p:graphicFrame>
-      <p:cxnSp>
-        <p:nvCxnSpPr>
-          <p:cNvPr id="4" name="Straight Connector 3">
-            <a:extLst>
-              <a:ext uri="{FF2B5EF4-FFF2-40B4-BE49-F238E27FC236}">
-                <a16:creationId xmlns:a16="http://schemas.microsoft.com/office/drawing/2014/main" id="{783C37ED-C883-4E05-A4CD-CA5848ED724F}"/>
-              </a:ext>
-            </a:extLst>
-          </p:cNvPr>
-          <p:cNvCxnSpPr>
-            <a:cxnSpLocks/>
-          </p:cNvCxnSpPr>
-          <p:nvPr/>
-        </p:nvCxnSpPr>
-        <p:spPr>
-          <a:xfrm flipH="1">
-            <a:off x="5768962" y="8573591"/>
-            <a:ext cx="596899" cy="0"/>
-          </a:xfrm>
-          <a:prstGeom prst="line">
-            <a:avLst/>
-          </a:prstGeom>
-          <a:ln>
-            <a:solidFill>
-              <a:srgbClr val="FF0000"/>
-            </a:solidFill>
-          </a:ln>
-          <a:effectLst/>
-        </p:spPr>
-        <p:style>
-          <a:lnRef idx="2">
-            <a:schemeClr val="accent1"/>
-          </a:lnRef>
-          <a:fillRef idx="0">
-            <a:schemeClr val="accent1"/>
-          </a:fillRef>
-          <a:effectRef idx="1">
-            <a:schemeClr val="accent1"/>
-          </a:effectRef>
-          <a:fontRef idx="minor">
-            <a:schemeClr val="tx1"/>
-          </a:fontRef>
-        </p:style>
-      </p:cxnSp>
-      <p:sp>
-        <p:nvSpPr>
-          <p:cNvPr id="5" name="TextBox 4">
-            <a:extLst>
-              <a:ext uri="{FF2B5EF4-FFF2-40B4-BE49-F238E27FC236}">
-                <a16:creationId xmlns:a16="http://schemas.microsoft.com/office/drawing/2014/main" id="{E8CFCFEF-A970-44DF-80D4-96841A4555B8}"/>
-              </a:ext>
-            </a:extLst>
-          </p:cNvPr>
-          <p:cNvSpPr txBox="1"/>
-          <p:nvPr/>
-        </p:nvSpPr>
-        <p:spPr>
-          <a:xfrm>
-            <a:off x="5872474" y="8611060"/>
-            <a:ext cx="533400" cy="369332"/>
-          </a:xfrm>
-          <a:prstGeom prst="rect">
-            <a:avLst/>
-          </a:prstGeom>
-          <a:noFill/>
-          <a:effectLst/>
-        </p:spPr>
-        <p:txBody>
-          <a:bodyPr wrap="square" rtlCol="0">
-            <a:spAutoFit/>
-          </a:bodyPr>
-          <a:lstStyle/>
-          <a:p>
-            <a:r>
-              <a:rPr lang="en-US" b="1" dirty="0"/>
-              <a:t>P1</a:t>
-            </a:r>
-          </a:p>
-        </p:txBody>
-      </p:sp>
-      <p:sp>
-        <p:nvSpPr>
-          <p:cNvPr id="6" name="TextBox 5">
-            <a:extLst>
-              <a:ext uri="{FF2B5EF4-FFF2-40B4-BE49-F238E27FC236}">
-                <a16:creationId xmlns:a16="http://schemas.microsoft.com/office/drawing/2014/main" id="{00F92D28-E066-4E19-90CC-A11E701B0223}"/>
-              </a:ext>
-            </a:extLst>
-          </p:cNvPr>
-          <p:cNvSpPr txBox="1"/>
-          <p:nvPr/>
-        </p:nvSpPr>
-        <p:spPr>
-          <a:xfrm>
-            <a:off x="5821114" y="7119498"/>
-            <a:ext cx="533400" cy="369332"/>
-          </a:xfrm>
-          <a:prstGeom prst="rect">
-            <a:avLst/>
-          </a:prstGeom>
-          <a:noFill/>
-        </p:spPr>
-        <p:txBody>
-          <a:bodyPr wrap="square" rtlCol="0">
-            <a:spAutoFit/>
-          </a:bodyPr>
-          <a:lstStyle/>
-          <a:p>
-            <a:r>
-              <a:rPr lang="en-US" b="1" dirty="0"/>
-              <a:t>T1</a:t>
-            </a:r>
-          </a:p>
-        </p:txBody>
-      </p:sp>
-      <p:sp>
-        <p:nvSpPr>
-          <p:cNvPr id="7" name="TextBox 6">
-            <a:extLst>
-              <a:ext uri="{FF2B5EF4-FFF2-40B4-BE49-F238E27FC236}">
-                <a16:creationId xmlns:a16="http://schemas.microsoft.com/office/drawing/2014/main" id="{8229ABA5-3995-406B-BC0E-0912CF9192D3}"/>
-              </a:ext>
-            </a:extLst>
-          </p:cNvPr>
-          <p:cNvSpPr txBox="1"/>
-          <p:nvPr/>
-        </p:nvSpPr>
-        <p:spPr>
-          <a:xfrm>
-            <a:off x="1519752" y="4759514"/>
-            <a:ext cx="671512" cy="369332"/>
-          </a:xfrm>
-          <a:prstGeom prst="rect">
-            <a:avLst/>
-          </a:prstGeom>
-          <a:noFill/>
-        </p:spPr>
-        <p:txBody>
-          <a:bodyPr wrap="square" rtlCol="0">
-            <a:spAutoFit/>
-          </a:bodyPr>
-          <a:lstStyle/>
-          <a:p>
-            <a:r>
-              <a:rPr lang="en-US" b="1" dirty="0"/>
-              <a:t>PP1</a:t>
-            </a:r>
-          </a:p>
-        </p:txBody>
-      </p:sp>
       <p:pic>
         <p:nvPicPr>
           <p:cNvPr id="15" name="Picture 2" descr="http://www.idpa.com/MISC/Logos/SquareLogo/SquareLOGO-IDPA180.jpg">
@@ -6396,57 +5663,40 @@
       </p:pic>
       <p:pic>
         <p:nvPicPr>
-          <p:cNvPr id="16" name="Picture 4" descr="http://www.rfgc.org/files/patch.png">
+          <p:cNvPr id="2" name="Picture 1">
             <a:extLst>
               <a:ext uri="{FF2B5EF4-FFF2-40B4-BE49-F238E27FC236}">
-                <a16:creationId xmlns:a16="http://schemas.microsoft.com/office/drawing/2014/main" id="{156EFA39-1A0B-4256-86BF-A6696AF2AE23}"/>
+                <a16:creationId xmlns:a16="http://schemas.microsoft.com/office/drawing/2014/main" id="{5241F0D7-7198-437D-B338-F532854EF138}"/>
               </a:ext>
             </a:extLst>
           </p:cNvPr>
           <p:cNvPicPr>
-            <a:picLocks noChangeAspect="1" noChangeArrowheads="1"/>
+            <a:picLocks noChangeAspect="1"/>
           </p:cNvPicPr>
           <p:nvPr/>
         </p:nvPicPr>
         <p:blipFill>
-          <a:blip r:embed="rId4">
-            <a:extLst>
-              <a:ext uri="{28A0092B-C50C-407E-A947-70E740481C1C}">
-                <a14:useLocalDpi xmlns:a14="http://schemas.microsoft.com/office/drawing/2010/main" val="0"/>
-              </a:ext>
-            </a:extLst>
-          </a:blip>
-          <a:srcRect/>
+          <a:blip r:embed="rId4"/>
           <a:stretch>
             <a:fillRect/>
           </a:stretch>
         </p:blipFill>
-        <p:spPr bwMode="auto">
+        <p:spPr>
           <a:xfrm>
-            <a:off x="53780" y="76035"/>
-            <a:ext cx="1134712" cy="1134712"/>
+            <a:off x="76200" y="85725"/>
+            <a:ext cx="1085850" cy="1133475"/>
           </a:xfrm>
           <a:prstGeom prst="rect">
             <a:avLst/>
           </a:prstGeom>
-          <a:noFill/>
-          <a:extLst>
-            <a:ext uri="{909E8E84-426E-40DD-AFC4-6F175D3DCCD1}">
-              <a14:hiddenFill xmlns:a14="http://schemas.microsoft.com/office/drawing/2010/main">
-                <a:solidFill>
-                  <a:srgbClr val="FFFFFF"/>
-                </a:solidFill>
-              </a14:hiddenFill>
-            </a:ext>
-          </a:extLst>
         </p:spPr>
       </p:pic>
       <p:grpSp>
         <p:nvGrpSpPr>
-          <p:cNvPr id="21" name="Group 29">
+          <p:cNvPr id="36" name="Group 170">
             <a:extLst>
               <a:ext uri="{FF2B5EF4-FFF2-40B4-BE49-F238E27FC236}">
-                <a16:creationId xmlns:a16="http://schemas.microsoft.com/office/drawing/2014/main" id="{0D2FCF9F-52C6-4018-9402-1E20AEC8C489}"/>
+                <a16:creationId xmlns:a16="http://schemas.microsoft.com/office/drawing/2014/main" id="{113C5A43-F49F-4A93-BDF5-B199BA72F0FD}"/>
               </a:ext>
             </a:extLst>
           </p:cNvPr>
@@ -6457,7 +5707,692 @@
         </p:nvGrpSpPr>
         <p:grpSpPr bwMode="auto">
           <a:xfrm>
-            <a:off x="5944145" y="7608276"/>
+            <a:off x="3083487" y="5959543"/>
+            <a:ext cx="288925" cy="787400"/>
+            <a:chOff x="1008" y="2592"/>
+            <a:chExt cx="182" cy="496"/>
+          </a:xfrm>
+        </p:grpSpPr>
+        <p:sp>
+          <p:nvSpPr>
+            <p:cNvPr id="37" name="Line 171">
+              <a:extLst>
+                <a:ext uri="{FF2B5EF4-FFF2-40B4-BE49-F238E27FC236}">
+                  <a16:creationId xmlns:a16="http://schemas.microsoft.com/office/drawing/2014/main" id="{0E85A3AD-2A5E-46EE-A3A8-34755AEA1E3A}"/>
+                </a:ext>
+              </a:extLst>
+            </p:cNvPr>
+            <p:cNvSpPr>
+              <a:spLocks noChangeShapeType="1"/>
+            </p:cNvSpPr>
+            <p:nvPr/>
+          </p:nvSpPr>
+          <p:spPr bwMode="auto">
+            <a:xfrm>
+              <a:off x="1019" y="2836"/>
+              <a:ext cx="0" cy="252"/>
+            </a:xfrm>
+            <a:prstGeom prst="line">
+              <a:avLst/>
+            </a:prstGeom>
+            <a:noFill/>
+            <a:ln w="28575">
+              <a:solidFill>
+                <a:schemeClr val="tx1"/>
+              </a:solidFill>
+              <a:round/>
+              <a:headEnd/>
+              <a:tailEnd/>
+            </a:ln>
+            <a:extLst>
+              <a:ext uri="{909E8E84-426E-40DD-AFC4-6F175D3DCCD1}">
+                <a14:hiddenFill xmlns:a14="http://schemas.microsoft.com/office/drawing/2010/main">
+                  <a:noFill/>
+                </a14:hiddenFill>
+              </a:ext>
+            </a:extLst>
+          </p:spPr>
+          <p:txBody>
+            <a:bodyPr wrap="none" anchor="ctr"/>
+            <a:lstStyle/>
+            <a:p>
+              <a:endParaRPr lang="en-US"/>
+            </a:p>
+          </p:txBody>
+        </p:sp>
+        <p:sp>
+          <p:nvSpPr>
+            <p:cNvPr id="38" name="Line 172">
+              <a:extLst>
+                <a:ext uri="{FF2B5EF4-FFF2-40B4-BE49-F238E27FC236}">
+                  <a16:creationId xmlns:a16="http://schemas.microsoft.com/office/drawing/2014/main" id="{384C19ED-88D8-4FCF-AFCA-7E1C55387740}"/>
+                </a:ext>
+              </a:extLst>
+            </p:cNvPr>
+            <p:cNvSpPr>
+              <a:spLocks noChangeShapeType="1"/>
+            </p:cNvSpPr>
+            <p:nvPr/>
+          </p:nvSpPr>
+          <p:spPr bwMode="auto">
+            <a:xfrm>
+              <a:off x="1182" y="2836"/>
+              <a:ext cx="0" cy="252"/>
+            </a:xfrm>
+            <a:prstGeom prst="line">
+              <a:avLst/>
+            </a:prstGeom>
+            <a:noFill/>
+            <a:ln w="28575">
+              <a:solidFill>
+                <a:schemeClr val="tx1"/>
+              </a:solidFill>
+              <a:round/>
+              <a:headEnd/>
+              <a:tailEnd/>
+            </a:ln>
+            <a:extLst>
+              <a:ext uri="{909E8E84-426E-40DD-AFC4-6F175D3DCCD1}">
+                <a14:hiddenFill xmlns:a14="http://schemas.microsoft.com/office/drawing/2010/main">
+                  <a:noFill/>
+                </a14:hiddenFill>
+              </a:ext>
+            </a:extLst>
+          </p:spPr>
+          <p:txBody>
+            <a:bodyPr wrap="none" anchor="ctr"/>
+            <a:lstStyle/>
+            <a:p>
+              <a:endParaRPr lang="en-US"/>
+            </a:p>
+          </p:txBody>
+        </p:sp>
+        <p:grpSp>
+          <p:nvGrpSpPr>
+            <p:cNvPr id="39" name="Group 173">
+              <a:extLst>
+                <a:ext uri="{FF2B5EF4-FFF2-40B4-BE49-F238E27FC236}">
+                  <a16:creationId xmlns:a16="http://schemas.microsoft.com/office/drawing/2014/main" id="{6D141E5F-DC41-45D6-8DB8-722F1E2FDBA8}"/>
+                </a:ext>
+              </a:extLst>
+            </p:cNvPr>
+            <p:cNvGrpSpPr>
+              <a:grpSpLocks/>
+            </p:cNvGrpSpPr>
+            <p:nvPr/>
+          </p:nvGrpSpPr>
+          <p:grpSpPr bwMode="auto">
+            <a:xfrm>
+              <a:off x="1008" y="2592"/>
+              <a:ext cx="182" cy="331"/>
+              <a:chOff x="1008" y="2592"/>
+              <a:chExt cx="182" cy="331"/>
+            </a:xfrm>
+          </p:grpSpPr>
+          <p:sp>
+            <p:nvSpPr>
+              <p:cNvPr id="40" name="Freeform 174">
+                <a:extLst>
+                  <a:ext uri="{FF2B5EF4-FFF2-40B4-BE49-F238E27FC236}">
+                    <a16:creationId xmlns:a16="http://schemas.microsoft.com/office/drawing/2014/main" id="{A5FC9040-B65B-4002-AFD8-935B3BA9E828}"/>
+                  </a:ext>
+                </a:extLst>
+              </p:cNvPr>
+              <p:cNvSpPr>
+                <a:spLocks/>
+              </p:cNvSpPr>
+              <p:nvPr/>
+            </p:nvSpPr>
+            <p:spPr bwMode="auto">
+              <a:xfrm>
+                <a:off x="1009" y="2592"/>
+                <a:ext cx="181" cy="331"/>
+              </a:xfrm>
+              <a:custGeom>
+                <a:avLst/>
+                <a:gdLst>
+                  <a:gd name="T0" fmla="*/ 1 w 277"/>
+                  <a:gd name="T1" fmla="*/ 0 h 517"/>
+                  <a:gd name="T2" fmla="*/ 1 w 277"/>
+                  <a:gd name="T3" fmla="*/ 0 h 517"/>
+                  <a:gd name="T4" fmla="*/ 1 w 277"/>
+                  <a:gd name="T5" fmla="*/ 1 h 517"/>
+                  <a:gd name="T6" fmla="*/ 1 w 277"/>
+                  <a:gd name="T7" fmla="*/ 1 h 517"/>
+                  <a:gd name="T8" fmla="*/ 1 w 277"/>
+                  <a:gd name="T9" fmla="*/ 1 h 517"/>
+                  <a:gd name="T10" fmla="*/ 1 w 277"/>
+                  <a:gd name="T11" fmla="*/ 1 h 517"/>
+                  <a:gd name="T12" fmla="*/ 1 w 277"/>
+                  <a:gd name="T13" fmla="*/ 1 h 517"/>
+                  <a:gd name="T14" fmla="*/ 1 w 277"/>
+                  <a:gd name="T15" fmla="*/ 1 h 517"/>
+                  <a:gd name="T16" fmla="*/ 0 w 277"/>
+                  <a:gd name="T17" fmla="*/ 1 h 517"/>
+                  <a:gd name="T18" fmla="*/ 0 w 277"/>
+                  <a:gd name="T19" fmla="*/ 1 h 517"/>
+                  <a:gd name="T20" fmla="*/ 1 w 277"/>
+                  <a:gd name="T21" fmla="*/ 1 h 517"/>
+                  <a:gd name="T22" fmla="*/ 1 w 277"/>
+                  <a:gd name="T23" fmla="*/ 1 h 517"/>
+                  <a:gd name="T24" fmla="*/ 1 w 277"/>
+                  <a:gd name="T25" fmla="*/ 0 h 517"/>
+                  <a:gd name="T26" fmla="*/ 0 60000 65536"/>
+                  <a:gd name="T27" fmla="*/ 0 60000 65536"/>
+                  <a:gd name="T28" fmla="*/ 0 60000 65536"/>
+                  <a:gd name="T29" fmla="*/ 0 60000 65536"/>
+                  <a:gd name="T30" fmla="*/ 0 60000 65536"/>
+                  <a:gd name="T31" fmla="*/ 0 60000 65536"/>
+                  <a:gd name="T32" fmla="*/ 0 60000 65536"/>
+                  <a:gd name="T33" fmla="*/ 0 60000 65536"/>
+                  <a:gd name="T34" fmla="*/ 0 60000 65536"/>
+                  <a:gd name="T35" fmla="*/ 0 60000 65536"/>
+                  <a:gd name="T36" fmla="*/ 0 60000 65536"/>
+                  <a:gd name="T37" fmla="*/ 0 60000 65536"/>
+                  <a:gd name="T38" fmla="*/ 0 60000 65536"/>
+                  <a:gd name="T39" fmla="*/ 0 w 277"/>
+                  <a:gd name="T40" fmla="*/ 0 h 517"/>
+                  <a:gd name="T41" fmla="*/ 277 w 277"/>
+                  <a:gd name="T42" fmla="*/ 517 h 517"/>
+                </a:gdLst>
+                <a:ahLst/>
+                <a:cxnLst>
+                  <a:cxn ang="T26">
+                    <a:pos x="T0" y="T1"/>
+                  </a:cxn>
+                  <a:cxn ang="T27">
+                    <a:pos x="T2" y="T3"/>
+                  </a:cxn>
+                  <a:cxn ang="T28">
+                    <a:pos x="T4" y="T5"/>
+                  </a:cxn>
+                  <a:cxn ang="T29">
+                    <a:pos x="T6" y="T7"/>
+                  </a:cxn>
+                  <a:cxn ang="T30">
+                    <a:pos x="T8" y="T9"/>
+                  </a:cxn>
+                  <a:cxn ang="T31">
+                    <a:pos x="T10" y="T11"/>
+                  </a:cxn>
+                  <a:cxn ang="T32">
+                    <a:pos x="T12" y="T13"/>
+                  </a:cxn>
+                  <a:cxn ang="T33">
+                    <a:pos x="T14" y="T15"/>
+                  </a:cxn>
+                  <a:cxn ang="T34">
+                    <a:pos x="T16" y="T17"/>
+                  </a:cxn>
+                  <a:cxn ang="T35">
+                    <a:pos x="T18" y="T19"/>
+                  </a:cxn>
+                  <a:cxn ang="T36">
+                    <a:pos x="T20" y="T21"/>
+                  </a:cxn>
+                  <a:cxn ang="T37">
+                    <a:pos x="T22" y="T23"/>
+                  </a:cxn>
+                  <a:cxn ang="T38">
+                    <a:pos x="T24" y="T25"/>
+                  </a:cxn>
+                </a:cxnLst>
+                <a:rect l="T39" t="T40" r="T41" b="T42"/>
+                <a:pathLst>
+                  <a:path w="277" h="517">
+                    <a:moveTo>
+                      <a:pt x="89" y="0"/>
+                    </a:moveTo>
+                    <a:lnTo>
+                      <a:pt x="191" y="0"/>
+                    </a:lnTo>
+                    <a:lnTo>
+                      <a:pt x="191" y="105"/>
+                    </a:lnTo>
+                    <a:lnTo>
+                      <a:pt x="225" y="105"/>
+                    </a:lnTo>
+                    <a:lnTo>
+                      <a:pt x="276" y="139"/>
+                    </a:lnTo>
+                    <a:lnTo>
+                      <a:pt x="276" y="415"/>
+                    </a:lnTo>
+                    <a:lnTo>
+                      <a:pt x="225" y="516"/>
+                    </a:lnTo>
+                    <a:lnTo>
+                      <a:pt x="51" y="516"/>
+                    </a:lnTo>
+                    <a:lnTo>
+                      <a:pt x="0" y="415"/>
+                    </a:lnTo>
+                    <a:lnTo>
+                      <a:pt x="0" y="139"/>
+                    </a:lnTo>
+                    <a:lnTo>
+                      <a:pt x="51" y="105"/>
+                    </a:lnTo>
+                    <a:lnTo>
+                      <a:pt x="89" y="105"/>
+                    </a:lnTo>
+                    <a:lnTo>
+                      <a:pt x="89" y="0"/>
+                    </a:lnTo>
+                  </a:path>
+                </a:pathLst>
+              </a:custGeom>
+              <a:solidFill>
+                <a:srgbClr val="FFCC99"/>
+              </a:solidFill>
+              <a:ln w="12700" cap="rnd">
+                <a:solidFill>
+                  <a:schemeClr val="tx1"/>
+                </a:solidFill>
+                <a:round/>
+                <a:headEnd/>
+                <a:tailEnd/>
+              </a:ln>
+            </p:spPr>
+            <p:txBody>
+              <a:bodyPr/>
+              <a:lstStyle/>
+              <a:p>
+                <a:endParaRPr lang="en-US"/>
+              </a:p>
+            </p:txBody>
+          </p:sp>
+          <p:sp>
+            <p:nvSpPr>
+              <p:cNvPr id="41" name="Freeform 175">
+                <a:extLst>
+                  <a:ext uri="{FF2B5EF4-FFF2-40B4-BE49-F238E27FC236}">
+                    <a16:creationId xmlns:a16="http://schemas.microsoft.com/office/drawing/2014/main" id="{CB697901-3139-4E9E-B249-8EC634D6F02C}"/>
+                  </a:ext>
+                </a:extLst>
+              </p:cNvPr>
+              <p:cNvSpPr>
+                <a:spLocks/>
+              </p:cNvSpPr>
+              <p:nvPr/>
+            </p:nvSpPr>
+            <p:spPr bwMode="auto">
+              <a:xfrm>
+                <a:off x="1008" y="2685"/>
+                <a:ext cx="182" cy="237"/>
+              </a:xfrm>
+              <a:custGeom>
+                <a:avLst/>
+                <a:gdLst>
+                  <a:gd name="T0" fmla="*/ 0 w 182"/>
+                  <a:gd name="T1" fmla="*/ 0 h 237"/>
+                  <a:gd name="T2" fmla="*/ 182 w 182"/>
+                  <a:gd name="T3" fmla="*/ 0 h 237"/>
+                  <a:gd name="T4" fmla="*/ 182 w 182"/>
+                  <a:gd name="T5" fmla="*/ 170 h 237"/>
+                  <a:gd name="T6" fmla="*/ 146 w 182"/>
+                  <a:gd name="T7" fmla="*/ 237 h 237"/>
+                  <a:gd name="T8" fmla="*/ 35 w 182"/>
+                  <a:gd name="T9" fmla="*/ 237 h 237"/>
+                  <a:gd name="T10" fmla="*/ 0 w 182"/>
+                  <a:gd name="T11" fmla="*/ 173 h 237"/>
+                  <a:gd name="T12" fmla="*/ 0 w 182"/>
+                  <a:gd name="T13" fmla="*/ 0 h 237"/>
+                  <a:gd name="T14" fmla="*/ 0 60000 65536"/>
+                  <a:gd name="T15" fmla="*/ 0 60000 65536"/>
+                  <a:gd name="T16" fmla="*/ 0 60000 65536"/>
+                  <a:gd name="T17" fmla="*/ 0 60000 65536"/>
+                  <a:gd name="T18" fmla="*/ 0 60000 65536"/>
+                  <a:gd name="T19" fmla="*/ 0 60000 65536"/>
+                  <a:gd name="T20" fmla="*/ 0 60000 65536"/>
+                  <a:gd name="T21" fmla="*/ 0 w 182"/>
+                  <a:gd name="T22" fmla="*/ 0 h 237"/>
+                  <a:gd name="T23" fmla="*/ 182 w 182"/>
+                  <a:gd name="T24" fmla="*/ 237 h 237"/>
+                </a:gdLst>
+                <a:ahLst/>
+                <a:cxnLst>
+                  <a:cxn ang="T14">
+                    <a:pos x="T0" y="T1"/>
+                  </a:cxn>
+                  <a:cxn ang="T15">
+                    <a:pos x="T2" y="T3"/>
+                  </a:cxn>
+                  <a:cxn ang="T16">
+                    <a:pos x="T4" y="T5"/>
+                  </a:cxn>
+                  <a:cxn ang="T17">
+                    <a:pos x="T6" y="T7"/>
+                  </a:cxn>
+                  <a:cxn ang="T18">
+                    <a:pos x="T8" y="T9"/>
+                  </a:cxn>
+                  <a:cxn ang="T19">
+                    <a:pos x="T10" y="T11"/>
+                  </a:cxn>
+                  <a:cxn ang="T20">
+                    <a:pos x="T12" y="T13"/>
+                  </a:cxn>
+                </a:cxnLst>
+                <a:rect l="T21" t="T22" r="T23" b="T24"/>
+                <a:pathLst>
+                  <a:path w="182" h="237">
+                    <a:moveTo>
+                      <a:pt x="0" y="0"/>
+                    </a:moveTo>
+                    <a:lnTo>
+                      <a:pt x="182" y="0"/>
+                    </a:lnTo>
+                    <a:lnTo>
+                      <a:pt x="182" y="170"/>
+                    </a:lnTo>
+                    <a:lnTo>
+                      <a:pt x="146" y="237"/>
+                    </a:lnTo>
+                    <a:lnTo>
+                      <a:pt x="35" y="237"/>
+                    </a:lnTo>
+                    <a:lnTo>
+                      <a:pt x="0" y="173"/>
+                    </a:lnTo>
+                    <a:lnTo>
+                      <a:pt x="0" y="0"/>
+                    </a:lnTo>
+                    <a:close/>
+                  </a:path>
+                </a:pathLst>
+              </a:custGeom>
+              <a:solidFill>
+                <a:schemeClr val="tx1"/>
+              </a:solidFill>
+              <a:ln w="0">
+                <a:solidFill>
+                  <a:schemeClr val="tx1"/>
+                </a:solidFill>
+                <a:round/>
+                <a:headEnd/>
+                <a:tailEnd/>
+              </a:ln>
+            </p:spPr>
+            <p:txBody>
+              <a:bodyPr/>
+              <a:lstStyle/>
+              <a:p>
+                <a:endParaRPr lang="en-US"/>
+              </a:p>
+            </p:txBody>
+          </p:sp>
+        </p:grpSp>
+      </p:grpSp>
+      <p:sp>
+        <p:nvSpPr>
+          <p:cNvPr id="42" name="Freeform 301">
+            <a:extLst>
+              <a:ext uri="{FF2B5EF4-FFF2-40B4-BE49-F238E27FC236}">
+                <a16:creationId xmlns:a16="http://schemas.microsoft.com/office/drawing/2014/main" id="{33F4D6E1-B180-46F6-B5FD-860A2803CF69}"/>
+              </a:ext>
+            </a:extLst>
+          </p:cNvPr>
+          <p:cNvSpPr>
+            <a:spLocks/>
+          </p:cNvSpPr>
+          <p:nvPr/>
+        </p:nvSpPr>
+        <p:spPr bwMode="auto">
+          <a:xfrm flipH="1">
+            <a:off x="4029666" y="5612556"/>
+            <a:ext cx="123285" cy="1525533"/>
+          </a:xfrm>
+          <a:custGeom>
+            <a:avLst/>
+            <a:gdLst>
+              <a:gd name="T0" fmla="*/ 0 w 240"/>
+              <a:gd name="T1" fmla="*/ 231401 h 840"/>
+              <a:gd name="T2" fmla="*/ 75637390 w 240"/>
+              <a:gd name="T3" fmla="*/ 404798 h 840"/>
+              <a:gd name="T4" fmla="*/ 75637390 w 240"/>
+              <a:gd name="T5" fmla="*/ 57599 h 840"/>
+              <a:gd name="T6" fmla="*/ 0 w 240"/>
+              <a:gd name="T7" fmla="*/ 0 h 840"/>
+              <a:gd name="T8" fmla="*/ 0 w 240"/>
+              <a:gd name="T9" fmla="*/ 231401 h 840"/>
+              <a:gd name="T10" fmla="*/ 0 60000 65536"/>
+              <a:gd name="T11" fmla="*/ 0 60000 65536"/>
+              <a:gd name="T12" fmla="*/ 0 60000 65536"/>
+              <a:gd name="T13" fmla="*/ 0 60000 65536"/>
+              <a:gd name="T14" fmla="*/ 0 60000 65536"/>
+              <a:gd name="T15" fmla="*/ 0 w 240"/>
+              <a:gd name="T16" fmla="*/ 0 h 840"/>
+              <a:gd name="T17" fmla="*/ 240 w 240"/>
+              <a:gd name="T18" fmla="*/ 840 h 840"/>
+            </a:gdLst>
+            <a:ahLst/>
+            <a:cxnLst>
+              <a:cxn ang="T10">
+                <a:pos x="T0" y="T1"/>
+              </a:cxn>
+              <a:cxn ang="T11">
+                <a:pos x="T2" y="T3"/>
+              </a:cxn>
+              <a:cxn ang="T12">
+                <a:pos x="T4" y="T5"/>
+              </a:cxn>
+              <a:cxn ang="T13">
+                <a:pos x="T6" y="T7"/>
+              </a:cxn>
+              <a:cxn ang="T14">
+                <a:pos x="T8" y="T9"/>
+              </a:cxn>
+            </a:cxnLst>
+            <a:rect l="T15" t="T16" r="T17" b="T18"/>
+            <a:pathLst>
+              <a:path w="240" h="840">
+                <a:moveTo>
+                  <a:pt x="0" y="480"/>
+                </a:moveTo>
+                <a:lnTo>
+                  <a:pt x="240" y="840"/>
+                </a:lnTo>
+                <a:lnTo>
+                  <a:pt x="240" y="120"/>
+                </a:lnTo>
+                <a:lnTo>
+                  <a:pt x="0" y="0"/>
+                </a:lnTo>
+                <a:lnTo>
+                  <a:pt x="0" y="480"/>
+                </a:lnTo>
+                <a:close/>
+              </a:path>
+            </a:pathLst>
+          </a:custGeom>
+          <a:solidFill>
+            <a:schemeClr val="accent1"/>
+          </a:solidFill>
+          <a:ln w="9525">
+            <a:solidFill>
+              <a:schemeClr val="tx1"/>
+            </a:solidFill>
+            <a:round/>
+            <a:headEnd/>
+            <a:tailEnd/>
+          </a:ln>
+        </p:spPr>
+        <p:txBody>
+          <a:bodyPr wrap="none" anchor="ctr"/>
+          <a:lstStyle/>
+          <a:p>
+            <a:endParaRPr lang="en-US"/>
+          </a:p>
+        </p:txBody>
+      </p:sp>
+      <p:cxnSp>
+        <p:nvCxnSpPr>
+          <p:cNvPr id="43" name="Straight Connector 42">
+            <a:extLst>
+              <a:ext uri="{FF2B5EF4-FFF2-40B4-BE49-F238E27FC236}">
+                <a16:creationId xmlns:a16="http://schemas.microsoft.com/office/drawing/2014/main" id="{A67955F7-1ADC-4044-B67F-BBFA4E4A2DF4}"/>
+              </a:ext>
+            </a:extLst>
+          </p:cNvPr>
+          <p:cNvCxnSpPr>
+            <a:cxnSpLocks/>
+          </p:cNvCxnSpPr>
+          <p:nvPr/>
+        </p:nvCxnSpPr>
+        <p:spPr>
+          <a:xfrm flipV="1">
+            <a:off x="5869534" y="8487616"/>
+            <a:ext cx="0" cy="469664"/>
+          </a:xfrm>
+          <a:prstGeom prst="line">
+            <a:avLst/>
+          </a:prstGeom>
+          <a:ln>
+            <a:solidFill>
+              <a:srgbClr val="FF0000"/>
+            </a:solidFill>
+          </a:ln>
+          <a:effectLst/>
+        </p:spPr>
+        <p:style>
+          <a:lnRef idx="2">
+            <a:schemeClr val="accent1"/>
+          </a:lnRef>
+          <a:fillRef idx="0">
+            <a:schemeClr val="accent1"/>
+          </a:fillRef>
+          <a:effectRef idx="1">
+            <a:schemeClr val="accent1"/>
+          </a:effectRef>
+          <a:fontRef idx="minor">
+            <a:schemeClr val="tx1"/>
+          </a:fontRef>
+        </p:style>
+      </p:cxnSp>
+      <p:sp>
+        <p:nvSpPr>
+          <p:cNvPr id="44" name="TextBox 43">
+            <a:extLst>
+              <a:ext uri="{FF2B5EF4-FFF2-40B4-BE49-F238E27FC236}">
+                <a16:creationId xmlns:a16="http://schemas.microsoft.com/office/drawing/2014/main" id="{2EBCC22E-8A9C-4B48-ABF2-6DBA0F7BE0C3}"/>
+              </a:ext>
+            </a:extLst>
+          </p:cNvPr>
+          <p:cNvSpPr txBox="1"/>
+          <p:nvPr/>
+        </p:nvSpPr>
+        <p:spPr>
+          <a:xfrm>
+            <a:off x="5398461" y="8520933"/>
+            <a:ext cx="533400" cy="369332"/>
+          </a:xfrm>
+          <a:prstGeom prst="rect">
+            <a:avLst/>
+          </a:prstGeom>
+          <a:noFill/>
+          <a:effectLst/>
+        </p:spPr>
+        <p:txBody>
+          <a:bodyPr wrap="square" rtlCol="0">
+            <a:spAutoFit/>
+          </a:bodyPr>
+          <a:lstStyle/>
+          <a:p>
+            <a:r>
+              <a:rPr lang="en-US" b="1" dirty="0"/>
+              <a:t>P1</a:t>
+            </a:r>
+          </a:p>
+        </p:txBody>
+      </p:sp>
+      <p:sp>
+        <p:nvSpPr>
+          <p:cNvPr id="45" name="TextBox 44">
+            <a:extLst>
+              <a:ext uri="{FF2B5EF4-FFF2-40B4-BE49-F238E27FC236}">
+                <a16:creationId xmlns:a16="http://schemas.microsoft.com/office/drawing/2014/main" id="{49669FA4-92A2-4B57-A165-26C2E09D797B}"/>
+              </a:ext>
+            </a:extLst>
+          </p:cNvPr>
+          <p:cNvSpPr txBox="1"/>
+          <p:nvPr/>
+        </p:nvSpPr>
+        <p:spPr>
+          <a:xfrm>
+            <a:off x="5831456" y="4615934"/>
+            <a:ext cx="533400" cy="369332"/>
+          </a:xfrm>
+          <a:prstGeom prst="rect">
+            <a:avLst/>
+          </a:prstGeom>
+          <a:noFill/>
+        </p:spPr>
+        <p:txBody>
+          <a:bodyPr wrap="square" rtlCol="0">
+            <a:spAutoFit/>
+          </a:bodyPr>
+          <a:lstStyle/>
+          <a:p>
+            <a:r>
+              <a:rPr lang="en-US" b="1" dirty="0"/>
+              <a:t>T1</a:t>
+            </a:r>
+          </a:p>
+        </p:txBody>
+      </p:sp>
+      <p:sp>
+        <p:nvSpPr>
+          <p:cNvPr id="46" name="TextBox 45">
+            <a:extLst>
+              <a:ext uri="{FF2B5EF4-FFF2-40B4-BE49-F238E27FC236}">
+                <a16:creationId xmlns:a16="http://schemas.microsoft.com/office/drawing/2014/main" id="{01B92162-20AC-40AB-B615-FCB70F7038FB}"/>
+              </a:ext>
+            </a:extLst>
+          </p:cNvPr>
+          <p:cNvSpPr txBox="1"/>
+          <p:nvPr/>
+        </p:nvSpPr>
+        <p:spPr>
+          <a:xfrm>
+            <a:off x="1519752" y="5075522"/>
+            <a:ext cx="671512" cy="369332"/>
+          </a:xfrm>
+          <a:prstGeom prst="rect">
+            <a:avLst/>
+          </a:prstGeom>
+          <a:noFill/>
+        </p:spPr>
+        <p:txBody>
+          <a:bodyPr wrap="square" rtlCol="0">
+            <a:spAutoFit/>
+          </a:bodyPr>
+          <a:lstStyle/>
+          <a:p>
+            <a:r>
+              <a:rPr lang="en-US" b="1" dirty="0"/>
+              <a:t>PP1</a:t>
+            </a:r>
+          </a:p>
+        </p:txBody>
+      </p:sp>
+      <p:grpSp>
+        <p:nvGrpSpPr>
+          <p:cNvPr id="47" name="Group 29">
+            <a:extLst>
+              <a:ext uri="{FF2B5EF4-FFF2-40B4-BE49-F238E27FC236}">
+                <a16:creationId xmlns:a16="http://schemas.microsoft.com/office/drawing/2014/main" id="{3872D051-6BC8-4DE7-A62B-9E2EC87C967E}"/>
+              </a:ext>
+            </a:extLst>
+          </p:cNvPr>
+          <p:cNvGrpSpPr>
+            <a:grpSpLocks/>
+          </p:cNvGrpSpPr>
+          <p:nvPr/>
+        </p:nvGrpSpPr>
+        <p:grpSpPr bwMode="auto">
+          <a:xfrm>
+            <a:off x="5931861" y="5075522"/>
             <a:ext cx="287338" cy="790575"/>
             <a:chOff x="528" y="240"/>
             <a:chExt cx="181" cy="498"/>
@@ -6465,10 +6400,10 @@
         </p:grpSpPr>
         <p:sp>
           <p:nvSpPr>
-            <p:cNvPr id="22" name="Line 30">
+            <p:cNvPr id="48" name="Line 30">
               <a:extLst>
                 <a:ext uri="{FF2B5EF4-FFF2-40B4-BE49-F238E27FC236}">
-                  <a16:creationId xmlns:a16="http://schemas.microsoft.com/office/drawing/2014/main" id="{FC4A2BD0-2448-4FAD-A075-DA46343A1B1D}"/>
+                  <a16:creationId xmlns:a16="http://schemas.microsoft.com/office/drawing/2014/main" id="{37EF5FD1-31DF-4B4C-81FF-313D9D555F5D}"/>
                 </a:ext>
               </a:extLst>
             </p:cNvPr>
@@ -6512,10 +6447,10 @@
         </p:sp>
         <p:sp>
           <p:nvSpPr>
-            <p:cNvPr id="23" name="Line 31">
+            <p:cNvPr id="49" name="Line 31">
               <a:extLst>
                 <a:ext uri="{FF2B5EF4-FFF2-40B4-BE49-F238E27FC236}">
-                  <a16:creationId xmlns:a16="http://schemas.microsoft.com/office/drawing/2014/main" id="{6F03FDC6-9D0E-45C5-8620-02AA74684D46}"/>
+                  <a16:creationId xmlns:a16="http://schemas.microsoft.com/office/drawing/2014/main" id="{59713FC0-69E4-4701-80DD-B23C03CA560A}"/>
                 </a:ext>
               </a:extLst>
             </p:cNvPr>
@@ -6559,10 +6494,10 @@
         </p:sp>
         <p:sp>
           <p:nvSpPr>
-            <p:cNvPr id="24" name="Freeform 32">
+            <p:cNvPr id="50" name="Freeform 32">
               <a:extLst>
                 <a:ext uri="{FF2B5EF4-FFF2-40B4-BE49-F238E27FC236}">
-                  <a16:creationId xmlns:a16="http://schemas.microsoft.com/office/drawing/2014/main" id="{FFE73E3F-F4EC-4105-AF40-A5F644BCE361}"/>
+                  <a16:creationId xmlns:a16="http://schemas.microsoft.com/office/drawing/2014/main" id="{B4C602E6-9838-4D50-945A-F267D39780D6}"/>
                 </a:ext>
               </a:extLst>
             </p:cNvPr>
@@ -6733,10 +6668,10 @@
       </p:grpSp>
       <p:sp>
         <p:nvSpPr>
-          <p:cNvPr id="28" name="Rectangle 11">
+          <p:cNvPr id="51" name="Rectangle 11">
             <a:extLst>
               <a:ext uri="{FF2B5EF4-FFF2-40B4-BE49-F238E27FC236}">
-                <a16:creationId xmlns:a16="http://schemas.microsoft.com/office/drawing/2014/main" id="{C01BBD84-84EE-4752-B13B-34890CFF7F66}"/>
+                <a16:creationId xmlns:a16="http://schemas.microsoft.com/office/drawing/2014/main" id="{3EF5EF46-9D78-4CC6-9E3C-7B68D50F0D80}"/>
               </a:ext>
             </a:extLst>
           </p:cNvPr>
@@ -6747,7 +6682,7 @@
         </p:nvSpPr>
         <p:spPr bwMode="auto">
           <a:xfrm>
-            <a:off x="4683671" y="6925060"/>
+            <a:off x="4683671" y="7241068"/>
             <a:ext cx="1177925" cy="1212850"/>
           </a:xfrm>
           <a:prstGeom prst="rect">
@@ -6884,10 +6819,10 @@
       </p:sp>
       <p:grpSp>
         <p:nvGrpSpPr>
-          <p:cNvPr id="43" name="Group 44">
+          <p:cNvPr id="52" name="Group 44">
             <a:extLst>
               <a:ext uri="{FF2B5EF4-FFF2-40B4-BE49-F238E27FC236}">
-                <a16:creationId xmlns:a16="http://schemas.microsoft.com/office/drawing/2014/main" id="{4EE395E4-9F28-4FB1-A541-E653323FBFA0}"/>
+                <a16:creationId xmlns:a16="http://schemas.microsoft.com/office/drawing/2014/main" id="{3248EC77-DA2A-4ED6-A48F-E8D2F7618375}"/>
               </a:ext>
             </a:extLst>
           </p:cNvPr>
@@ -6898,7 +6833,7 @@
         </p:nvGrpSpPr>
         <p:grpSpPr bwMode="auto">
           <a:xfrm>
-            <a:off x="4699947" y="5490223"/>
+            <a:off x="4699947" y="5806231"/>
             <a:ext cx="287338" cy="787400"/>
             <a:chOff x="1756" y="2113"/>
             <a:chExt cx="181" cy="499"/>
@@ -6906,10 +6841,10 @@
         </p:grpSpPr>
         <p:sp>
           <p:nvSpPr>
-            <p:cNvPr id="44" name="Line 45">
+            <p:cNvPr id="53" name="Line 45">
               <a:extLst>
                 <a:ext uri="{FF2B5EF4-FFF2-40B4-BE49-F238E27FC236}">
-                  <a16:creationId xmlns:a16="http://schemas.microsoft.com/office/drawing/2014/main" id="{D4500377-7ABB-4210-8C15-A20CD2AD6397}"/>
+                  <a16:creationId xmlns:a16="http://schemas.microsoft.com/office/drawing/2014/main" id="{1B6BFA98-9842-46C6-A5A0-C10366715FEA}"/>
                 </a:ext>
               </a:extLst>
             </p:cNvPr>
@@ -6953,10 +6888,10 @@
         </p:sp>
         <p:sp>
           <p:nvSpPr>
-            <p:cNvPr id="45" name="Line 46">
+            <p:cNvPr id="54" name="Line 46">
               <a:extLst>
                 <a:ext uri="{FF2B5EF4-FFF2-40B4-BE49-F238E27FC236}">
-                  <a16:creationId xmlns:a16="http://schemas.microsoft.com/office/drawing/2014/main" id="{B7A849EB-C331-4C68-8229-CD64070937E5}"/>
+                  <a16:creationId xmlns:a16="http://schemas.microsoft.com/office/drawing/2014/main" id="{C638E727-B22E-4F5E-88B4-795A29DA1E78}"/>
                 </a:ext>
               </a:extLst>
             </p:cNvPr>
@@ -7000,10 +6935,10 @@
         </p:sp>
         <p:grpSp>
           <p:nvGrpSpPr>
-            <p:cNvPr id="46" name="Group 47">
+            <p:cNvPr id="55" name="Group 47">
               <a:extLst>
                 <a:ext uri="{FF2B5EF4-FFF2-40B4-BE49-F238E27FC236}">
-                  <a16:creationId xmlns:a16="http://schemas.microsoft.com/office/drawing/2014/main" id="{B3D3C2EE-251C-4B70-AD3D-E83DE0628AF7}"/>
+                  <a16:creationId xmlns:a16="http://schemas.microsoft.com/office/drawing/2014/main" id="{C5710C3B-B23F-4D8F-B545-716CCCBF65B3}"/>
                 </a:ext>
               </a:extLst>
             </p:cNvPr>
@@ -7022,10 +6957,10 @@
           </p:grpSpPr>
           <p:sp>
             <p:nvSpPr>
-              <p:cNvPr id="47" name="Freeform 48">
+              <p:cNvPr id="57" name="Freeform 48">
                 <a:extLst>
                   <a:ext uri="{FF2B5EF4-FFF2-40B4-BE49-F238E27FC236}">
-                    <a16:creationId xmlns:a16="http://schemas.microsoft.com/office/drawing/2014/main" id="{68F565B3-BFB3-4155-97E9-14382C761005}"/>
+                    <a16:creationId xmlns:a16="http://schemas.microsoft.com/office/drawing/2014/main" id="{52D451F5-00F6-49AA-BD07-3A606AFD1C00}"/>
                   </a:ext>
                 </a:extLst>
               </p:cNvPr>
@@ -7195,10 +7130,10 @@
           </p:sp>
           <p:sp>
             <p:nvSpPr>
-              <p:cNvPr id="48" name="Freeform 49">
+              <p:cNvPr id="58" name="Freeform 49">
                 <a:extLst>
                   <a:ext uri="{FF2B5EF4-FFF2-40B4-BE49-F238E27FC236}">
-                    <a16:creationId xmlns:a16="http://schemas.microsoft.com/office/drawing/2014/main" id="{AB5753DD-22C2-4844-84F3-F117CB1F00AF}"/>
+                    <a16:creationId xmlns:a16="http://schemas.microsoft.com/office/drawing/2014/main" id="{39C33EDB-F187-4C9C-8B02-185488B1C067}"/>
                   </a:ext>
                 </a:extLst>
               </p:cNvPr>
@@ -7315,10 +7250,10 @@
           </p:sp>
           <p:sp>
             <p:nvSpPr>
-              <p:cNvPr id="49" name="Freeform 50">
+              <p:cNvPr id="59" name="Freeform 50">
                 <a:extLst>
                   <a:ext uri="{FF2B5EF4-FFF2-40B4-BE49-F238E27FC236}">
-                    <a16:creationId xmlns:a16="http://schemas.microsoft.com/office/drawing/2014/main" id="{FA7162B4-28A6-4855-9339-8C24F393386C}"/>
+                    <a16:creationId xmlns:a16="http://schemas.microsoft.com/office/drawing/2014/main" id="{48FD48CA-BE0C-42AE-9A27-DD897C41895E}"/>
                   </a:ext>
                 </a:extLst>
               </p:cNvPr>
@@ -7437,10 +7372,10 @@
       </p:grpSp>
       <p:grpSp>
         <p:nvGrpSpPr>
-          <p:cNvPr id="50" name="Group 170">
+          <p:cNvPr id="60" name="Group 170">
             <a:extLst>
               <a:ext uri="{FF2B5EF4-FFF2-40B4-BE49-F238E27FC236}">
-                <a16:creationId xmlns:a16="http://schemas.microsoft.com/office/drawing/2014/main" id="{7C295D3B-F968-4EEF-BD6E-8C953A5A5A25}"/>
+                <a16:creationId xmlns:a16="http://schemas.microsoft.com/office/drawing/2014/main" id="{FB6C7150-542D-4A4D-965C-20D78557BF02}"/>
               </a:ext>
             </a:extLst>
           </p:cNvPr>
@@ -7451,7 +7386,7 @@
         </p:nvGrpSpPr>
         <p:grpSpPr bwMode="auto">
           <a:xfrm>
-            <a:off x="4295930" y="5296548"/>
+            <a:off x="4295930" y="5612556"/>
             <a:ext cx="288925" cy="787400"/>
             <a:chOff x="1008" y="2592"/>
             <a:chExt cx="182" cy="496"/>
@@ -7459,10 +7394,10 @@
         </p:grpSpPr>
         <p:sp>
           <p:nvSpPr>
-            <p:cNvPr id="51" name="Line 171">
+            <p:cNvPr id="61" name="Line 171">
               <a:extLst>
                 <a:ext uri="{FF2B5EF4-FFF2-40B4-BE49-F238E27FC236}">
-                  <a16:creationId xmlns:a16="http://schemas.microsoft.com/office/drawing/2014/main" id="{2607243B-F292-46ED-B590-70661E877667}"/>
+                  <a16:creationId xmlns:a16="http://schemas.microsoft.com/office/drawing/2014/main" id="{7498CB7A-3370-4095-83B5-CADA56E0CE88}"/>
                 </a:ext>
               </a:extLst>
             </p:cNvPr>
@@ -7506,10 +7441,10 @@
         </p:sp>
         <p:sp>
           <p:nvSpPr>
-            <p:cNvPr id="52" name="Line 172">
+            <p:cNvPr id="62" name="Line 172">
               <a:extLst>
                 <a:ext uri="{FF2B5EF4-FFF2-40B4-BE49-F238E27FC236}">
-                  <a16:creationId xmlns:a16="http://schemas.microsoft.com/office/drawing/2014/main" id="{8A55242D-6CF6-4AFB-B2A4-2DE7051DF46D}"/>
+                  <a16:creationId xmlns:a16="http://schemas.microsoft.com/office/drawing/2014/main" id="{7BD0C4FE-C1A5-4745-9D65-F927BCF3862A}"/>
                 </a:ext>
               </a:extLst>
             </p:cNvPr>
@@ -7553,10 +7488,10 @@
         </p:sp>
         <p:grpSp>
           <p:nvGrpSpPr>
-            <p:cNvPr id="53" name="Group 173">
+            <p:cNvPr id="63" name="Group 173">
               <a:extLst>
                 <a:ext uri="{FF2B5EF4-FFF2-40B4-BE49-F238E27FC236}">
-                  <a16:creationId xmlns:a16="http://schemas.microsoft.com/office/drawing/2014/main" id="{2237A097-CE17-4332-A75B-0E3D828079E0}"/>
+                  <a16:creationId xmlns:a16="http://schemas.microsoft.com/office/drawing/2014/main" id="{630F0740-0E86-41B9-9732-FFC8FD94B6D9}"/>
                 </a:ext>
               </a:extLst>
             </p:cNvPr>
@@ -7575,10 +7510,10 @@
           </p:grpSpPr>
           <p:sp>
             <p:nvSpPr>
-              <p:cNvPr id="54" name="Freeform 174">
+              <p:cNvPr id="64" name="Freeform 174">
                 <a:extLst>
                   <a:ext uri="{FF2B5EF4-FFF2-40B4-BE49-F238E27FC236}">
-                    <a16:creationId xmlns:a16="http://schemas.microsoft.com/office/drawing/2014/main" id="{51F0E833-DE70-4543-8BD8-98981496E917}"/>
+                    <a16:creationId xmlns:a16="http://schemas.microsoft.com/office/drawing/2014/main" id="{B1323D67-E3AC-4505-8D36-E4F7174EAAD9}"/>
                   </a:ext>
                 </a:extLst>
               </p:cNvPr>
@@ -7748,10 +7683,10 @@
           </p:sp>
           <p:sp>
             <p:nvSpPr>
-              <p:cNvPr id="55" name="Freeform 175">
+              <p:cNvPr id="65" name="Freeform 175">
                 <a:extLst>
                   <a:ext uri="{FF2B5EF4-FFF2-40B4-BE49-F238E27FC236}">
-                    <a16:creationId xmlns:a16="http://schemas.microsoft.com/office/drawing/2014/main" id="{A1531711-64E5-48E7-8751-ED89F5D288FE}"/>
+                    <a16:creationId xmlns:a16="http://schemas.microsoft.com/office/drawing/2014/main" id="{76625732-2E91-48D0-9B38-E2D28C136D9F}"/>
                   </a:ext>
                 </a:extLst>
               </p:cNvPr>
@@ -7870,10 +7805,10 @@
       </p:grpSp>
       <p:grpSp>
         <p:nvGrpSpPr>
-          <p:cNvPr id="84" name="Group 4">
+          <p:cNvPr id="66" name="Group 4">
             <a:extLst>
               <a:ext uri="{FF2B5EF4-FFF2-40B4-BE49-F238E27FC236}">
-                <a16:creationId xmlns:a16="http://schemas.microsoft.com/office/drawing/2014/main" id="{5B2E7616-3C14-4217-B49A-5B3885C28687}"/>
+                <a16:creationId xmlns:a16="http://schemas.microsoft.com/office/drawing/2014/main" id="{9F499B2C-CAD4-4DA4-9B21-080A6E989D40}"/>
               </a:ext>
             </a:extLst>
           </p:cNvPr>
@@ -7884,7 +7819,7 @@
         </p:nvGrpSpPr>
         <p:grpSpPr bwMode="auto">
           <a:xfrm>
-            <a:off x="4484826" y="6077938"/>
+            <a:off x="4484826" y="6393946"/>
             <a:ext cx="360363" cy="838200"/>
             <a:chOff x="-2155" y="1485"/>
             <a:chExt cx="227" cy="528"/>
@@ -7892,10 +7827,10 @@
         </p:grpSpPr>
         <p:sp>
           <p:nvSpPr>
-            <p:cNvPr id="85" name="AutoShape 3">
+            <p:cNvPr id="67" name="AutoShape 3">
               <a:extLst>
                 <a:ext uri="{FF2B5EF4-FFF2-40B4-BE49-F238E27FC236}">
-                  <a16:creationId xmlns:a16="http://schemas.microsoft.com/office/drawing/2014/main" id="{A2F338F9-469F-448F-9DB9-AE811E93D901}"/>
+                  <a16:creationId xmlns:a16="http://schemas.microsoft.com/office/drawing/2014/main" id="{9E047A02-3000-4BDD-82C8-B7EB57492FAC}"/>
                 </a:ext>
               </a:extLst>
             </p:cNvPr>
@@ -7950,10 +7885,10 @@
         </p:sp>
         <p:sp>
           <p:nvSpPr>
-            <p:cNvPr id="86" name="Rectangle 5">
+            <p:cNvPr id="68" name="Rectangle 5">
               <a:extLst>
                 <a:ext uri="{FF2B5EF4-FFF2-40B4-BE49-F238E27FC236}">
-                  <a16:creationId xmlns:a16="http://schemas.microsoft.com/office/drawing/2014/main" id="{70BE6B3C-6CE1-4411-9D57-8BAF4D8F5977}"/>
+                  <a16:creationId xmlns:a16="http://schemas.microsoft.com/office/drawing/2014/main" id="{D346047C-CB40-4797-AAAB-9B7EFB5C8257}"/>
                 </a:ext>
               </a:extLst>
             </p:cNvPr>
@@ -8003,10 +7938,10 @@
         </p:sp>
         <p:sp>
           <p:nvSpPr>
-            <p:cNvPr id="87" name="Rectangle 6">
+            <p:cNvPr id="69" name="Rectangle 6">
               <a:extLst>
                 <a:ext uri="{FF2B5EF4-FFF2-40B4-BE49-F238E27FC236}">
-                  <a16:creationId xmlns:a16="http://schemas.microsoft.com/office/drawing/2014/main" id="{F8D8A4AB-965B-4F5D-9DC2-B5D1FA32817F}"/>
+                  <a16:creationId xmlns:a16="http://schemas.microsoft.com/office/drawing/2014/main" id="{F8DBC160-D50F-4957-A052-B726D9971B3B}"/>
                 </a:ext>
               </a:extLst>
             </p:cNvPr>
@@ -8056,10 +7991,10 @@
         </p:sp>
         <p:sp>
           <p:nvSpPr>
-            <p:cNvPr id="88" name="Freeform 7">
+            <p:cNvPr id="70" name="Freeform 7">
               <a:extLst>
                 <a:ext uri="{FF2B5EF4-FFF2-40B4-BE49-F238E27FC236}">
-                  <a16:creationId xmlns:a16="http://schemas.microsoft.com/office/drawing/2014/main" id="{B23B409A-AC0C-4841-BD7E-59F07E4E19DF}"/>
+                  <a16:creationId xmlns:a16="http://schemas.microsoft.com/office/drawing/2014/main" id="{6CCB15BC-2F28-4D48-9B80-02CEECD94300}"/>
                 </a:ext>
               </a:extLst>
             </p:cNvPr>
@@ -8296,10 +8231,10 @@
         </p:sp>
         <p:sp>
           <p:nvSpPr>
-            <p:cNvPr id="89" name="Line 8">
+            <p:cNvPr id="71" name="Line 8">
               <a:extLst>
                 <a:ext uri="{FF2B5EF4-FFF2-40B4-BE49-F238E27FC236}">
-                  <a16:creationId xmlns:a16="http://schemas.microsoft.com/office/drawing/2014/main" id="{044DC5AF-2FDE-4980-833E-6C82A8D05369}"/>
+                  <a16:creationId xmlns:a16="http://schemas.microsoft.com/office/drawing/2014/main" id="{F861F08E-E46F-492F-95A1-9FAFFEE5F8AF}"/>
                 </a:ext>
               </a:extLst>
             </p:cNvPr>
@@ -8348,10 +8283,10 @@
         </p:sp>
         <p:sp>
           <p:nvSpPr>
-            <p:cNvPr id="90" name="Line 9">
+            <p:cNvPr id="72" name="Line 9">
               <a:extLst>
                 <a:ext uri="{FF2B5EF4-FFF2-40B4-BE49-F238E27FC236}">
-                  <a16:creationId xmlns:a16="http://schemas.microsoft.com/office/drawing/2014/main" id="{8C639336-C567-46FD-9F4D-BE8AD8134A02}"/>
+                  <a16:creationId xmlns:a16="http://schemas.microsoft.com/office/drawing/2014/main" id="{B8B4BED3-9139-426E-B9C6-952ECE16F3BF}"/>
                 </a:ext>
               </a:extLst>
             </p:cNvPr>
@@ -8400,10 +8335,10 @@
         </p:sp>
         <p:sp>
           <p:nvSpPr>
-            <p:cNvPr id="91" name="Line 10">
+            <p:cNvPr id="73" name="Line 10">
               <a:extLst>
                 <a:ext uri="{FF2B5EF4-FFF2-40B4-BE49-F238E27FC236}">
-                  <a16:creationId xmlns:a16="http://schemas.microsoft.com/office/drawing/2014/main" id="{A5F7C650-BE37-4BFF-B33F-0463D5E61845}"/>
+                  <a16:creationId xmlns:a16="http://schemas.microsoft.com/office/drawing/2014/main" id="{666DEE35-3C37-441B-9212-B8E326BD2B0B}"/>
                 </a:ext>
               </a:extLst>
             </p:cNvPr>
@@ -8452,10 +8387,10 @@
         </p:sp>
         <p:sp>
           <p:nvSpPr>
-            <p:cNvPr id="92" name="Line 11">
+            <p:cNvPr id="74" name="Line 11">
               <a:extLst>
                 <a:ext uri="{FF2B5EF4-FFF2-40B4-BE49-F238E27FC236}">
-                  <a16:creationId xmlns:a16="http://schemas.microsoft.com/office/drawing/2014/main" id="{4922D5EB-8FEB-4D66-BAB6-ED510BF700EE}"/>
+                  <a16:creationId xmlns:a16="http://schemas.microsoft.com/office/drawing/2014/main" id="{EE9130DB-1586-439D-961C-7FADA3DC3DCD}"/>
                 </a:ext>
               </a:extLst>
             </p:cNvPr>
@@ -8504,10 +8439,10 @@
         </p:sp>
         <p:sp>
           <p:nvSpPr>
-            <p:cNvPr id="93" name="Line 12">
+            <p:cNvPr id="75" name="Line 12">
               <a:extLst>
                 <a:ext uri="{FF2B5EF4-FFF2-40B4-BE49-F238E27FC236}">
-                  <a16:creationId xmlns:a16="http://schemas.microsoft.com/office/drawing/2014/main" id="{8C6DA7AF-8373-4D3A-AFA1-268ECE0D7325}"/>
+                  <a16:creationId xmlns:a16="http://schemas.microsoft.com/office/drawing/2014/main" id="{D6C6E044-1BEC-4238-A7A5-94ECD5B01088}"/>
                 </a:ext>
               </a:extLst>
             </p:cNvPr>
@@ -8556,10 +8491,10 @@
         </p:sp>
         <p:sp>
           <p:nvSpPr>
-            <p:cNvPr id="94" name="Line 13">
+            <p:cNvPr id="76" name="Line 13">
               <a:extLst>
                 <a:ext uri="{FF2B5EF4-FFF2-40B4-BE49-F238E27FC236}">
-                  <a16:creationId xmlns:a16="http://schemas.microsoft.com/office/drawing/2014/main" id="{6EC2B1ED-1E08-49A8-8C77-B5311E5A6E33}"/>
+                  <a16:creationId xmlns:a16="http://schemas.microsoft.com/office/drawing/2014/main" id="{EDBCEC77-D302-4A04-922D-D9A97635299C}"/>
                 </a:ext>
               </a:extLst>
             </p:cNvPr>
@@ -8608,10 +8543,10 @@
         </p:sp>
         <p:sp>
           <p:nvSpPr>
-            <p:cNvPr id="95" name="Line 14">
+            <p:cNvPr id="77" name="Line 14">
               <a:extLst>
                 <a:ext uri="{FF2B5EF4-FFF2-40B4-BE49-F238E27FC236}">
-                  <a16:creationId xmlns:a16="http://schemas.microsoft.com/office/drawing/2014/main" id="{FB058099-E6CF-4077-852D-D7D27733AC3B}"/>
+                  <a16:creationId xmlns:a16="http://schemas.microsoft.com/office/drawing/2014/main" id="{E4174E30-5DFE-4FCE-B533-237011E90D48}"/>
                 </a:ext>
               </a:extLst>
             </p:cNvPr>
@@ -8660,10 +8595,10 @@
         </p:sp>
         <p:sp>
           <p:nvSpPr>
-            <p:cNvPr id="96" name="Line 15">
+            <p:cNvPr id="78" name="Line 15">
               <a:extLst>
                 <a:ext uri="{FF2B5EF4-FFF2-40B4-BE49-F238E27FC236}">
-                  <a16:creationId xmlns:a16="http://schemas.microsoft.com/office/drawing/2014/main" id="{C86297E9-5654-4FA8-A453-E482B020FC26}"/>
+                  <a16:creationId xmlns:a16="http://schemas.microsoft.com/office/drawing/2014/main" id="{03FEA429-C3F8-4F52-9576-54F98A47FB0D}"/>
                 </a:ext>
               </a:extLst>
             </p:cNvPr>
@@ -8712,10 +8647,10 @@
         </p:sp>
         <p:sp>
           <p:nvSpPr>
-            <p:cNvPr id="97" name="Line 16">
+            <p:cNvPr id="79" name="Line 16">
               <a:extLst>
                 <a:ext uri="{FF2B5EF4-FFF2-40B4-BE49-F238E27FC236}">
-                  <a16:creationId xmlns:a16="http://schemas.microsoft.com/office/drawing/2014/main" id="{7427F7A5-F0F8-4D5F-8C80-B7478165C077}"/>
+                  <a16:creationId xmlns:a16="http://schemas.microsoft.com/office/drawing/2014/main" id="{7592A0F3-8572-499A-9B80-9F4ADF43E94D}"/>
                 </a:ext>
               </a:extLst>
             </p:cNvPr>
@@ -8764,10 +8699,10 @@
         </p:sp>
         <p:sp>
           <p:nvSpPr>
-            <p:cNvPr id="98" name="Line 17">
+            <p:cNvPr id="80" name="Line 17">
               <a:extLst>
                 <a:ext uri="{FF2B5EF4-FFF2-40B4-BE49-F238E27FC236}">
-                  <a16:creationId xmlns:a16="http://schemas.microsoft.com/office/drawing/2014/main" id="{EA498323-E3D3-47F7-B7D2-1CA30AABC995}"/>
+                  <a16:creationId xmlns:a16="http://schemas.microsoft.com/office/drawing/2014/main" id="{A1131A24-D10E-4874-BF1B-34CF9E224242}"/>
                 </a:ext>
               </a:extLst>
             </p:cNvPr>
@@ -8816,10 +8751,10 @@
         </p:sp>
         <p:sp>
           <p:nvSpPr>
-            <p:cNvPr id="99" name="Line 18">
+            <p:cNvPr id="81" name="Line 18">
               <a:extLst>
                 <a:ext uri="{FF2B5EF4-FFF2-40B4-BE49-F238E27FC236}">
-                  <a16:creationId xmlns:a16="http://schemas.microsoft.com/office/drawing/2014/main" id="{4C955C53-332F-47D2-93F0-3489879938B1}"/>
+                  <a16:creationId xmlns:a16="http://schemas.microsoft.com/office/drawing/2014/main" id="{F8ADF479-C18A-4206-84C7-7389FD723736}"/>
                 </a:ext>
               </a:extLst>
             </p:cNvPr>
@@ -8868,10 +8803,10 @@
         </p:sp>
         <p:sp>
           <p:nvSpPr>
-            <p:cNvPr id="100" name="Line 19">
+            <p:cNvPr id="82" name="Line 19">
               <a:extLst>
                 <a:ext uri="{FF2B5EF4-FFF2-40B4-BE49-F238E27FC236}">
-                  <a16:creationId xmlns:a16="http://schemas.microsoft.com/office/drawing/2014/main" id="{551DBE72-CC75-4728-9341-9375B141F815}"/>
+                  <a16:creationId xmlns:a16="http://schemas.microsoft.com/office/drawing/2014/main" id="{89CCF602-73B4-4B27-B157-6C445D1017D1}"/>
                 </a:ext>
               </a:extLst>
             </p:cNvPr>
@@ -8920,10 +8855,10 @@
         </p:sp>
         <p:sp>
           <p:nvSpPr>
-            <p:cNvPr id="101" name="Line 20">
+            <p:cNvPr id="83" name="Line 20">
               <a:extLst>
                 <a:ext uri="{FF2B5EF4-FFF2-40B4-BE49-F238E27FC236}">
-                  <a16:creationId xmlns:a16="http://schemas.microsoft.com/office/drawing/2014/main" id="{9E40800F-598C-41A7-B4B9-808D1D5EAF14}"/>
+                  <a16:creationId xmlns:a16="http://schemas.microsoft.com/office/drawing/2014/main" id="{A434B268-3C3E-4925-8BAD-033945975161}"/>
                 </a:ext>
               </a:extLst>
             </p:cNvPr>
@@ -8972,10 +8907,10 @@
         </p:sp>
         <p:sp>
           <p:nvSpPr>
-            <p:cNvPr id="102" name="Line 21">
+            <p:cNvPr id="84" name="Line 21">
               <a:extLst>
                 <a:ext uri="{FF2B5EF4-FFF2-40B4-BE49-F238E27FC236}">
-                  <a16:creationId xmlns:a16="http://schemas.microsoft.com/office/drawing/2014/main" id="{6438782A-72AA-4581-8B64-573B4C162F57}"/>
+                  <a16:creationId xmlns:a16="http://schemas.microsoft.com/office/drawing/2014/main" id="{84F903CC-7A9C-43EF-851D-70E489D8C988}"/>
                 </a:ext>
               </a:extLst>
             </p:cNvPr>
@@ -9024,10 +8959,10 @@
         </p:sp>
         <p:sp>
           <p:nvSpPr>
-            <p:cNvPr id="103" name="Line 22">
+            <p:cNvPr id="85" name="Line 22">
               <a:extLst>
                 <a:ext uri="{FF2B5EF4-FFF2-40B4-BE49-F238E27FC236}">
-                  <a16:creationId xmlns:a16="http://schemas.microsoft.com/office/drawing/2014/main" id="{ED575F02-C3BD-4D13-B5FD-EE1504E404ED}"/>
+                  <a16:creationId xmlns:a16="http://schemas.microsoft.com/office/drawing/2014/main" id="{EC4C7922-7790-4295-95D9-7CDC1E53A962}"/>
                 </a:ext>
               </a:extLst>
             </p:cNvPr>
@@ -9076,10 +9011,10 @@
         </p:sp>
         <p:sp>
           <p:nvSpPr>
-            <p:cNvPr id="104" name="Line 23">
+            <p:cNvPr id="86" name="Line 23">
               <a:extLst>
                 <a:ext uri="{FF2B5EF4-FFF2-40B4-BE49-F238E27FC236}">
-                  <a16:creationId xmlns:a16="http://schemas.microsoft.com/office/drawing/2014/main" id="{74E9A0AF-9596-403C-ABF3-8B5080041056}"/>
+                  <a16:creationId xmlns:a16="http://schemas.microsoft.com/office/drawing/2014/main" id="{73F57334-255A-4CA4-96F4-9EEAAE83CC08}"/>
                 </a:ext>
               </a:extLst>
             </p:cNvPr>
@@ -9128,10 +9063,10 @@
         </p:sp>
         <p:sp>
           <p:nvSpPr>
-            <p:cNvPr id="105" name="Line 24">
+            <p:cNvPr id="87" name="Line 24">
               <a:extLst>
                 <a:ext uri="{FF2B5EF4-FFF2-40B4-BE49-F238E27FC236}">
-                  <a16:creationId xmlns:a16="http://schemas.microsoft.com/office/drawing/2014/main" id="{9412CB2D-3354-4DCF-B5E3-8EA9C4CA1AB1}"/>
+                  <a16:creationId xmlns:a16="http://schemas.microsoft.com/office/drawing/2014/main" id="{5F588586-97C3-4F71-9692-3EB89CD467E4}"/>
                 </a:ext>
               </a:extLst>
             </p:cNvPr>
@@ -9180,10 +9115,10 @@
         </p:sp>
         <p:sp>
           <p:nvSpPr>
-            <p:cNvPr id="106" name="Line 25">
+            <p:cNvPr id="88" name="Line 25">
               <a:extLst>
                 <a:ext uri="{FF2B5EF4-FFF2-40B4-BE49-F238E27FC236}">
-                  <a16:creationId xmlns:a16="http://schemas.microsoft.com/office/drawing/2014/main" id="{D23F6196-A2E3-48E4-A307-A897B5CFF2A0}"/>
+                  <a16:creationId xmlns:a16="http://schemas.microsoft.com/office/drawing/2014/main" id="{70F5DF77-480B-4F9E-80D7-8CC8E28FD044}"/>
                 </a:ext>
               </a:extLst>
             </p:cNvPr>
@@ -9232,10 +9167,10 @@
         </p:sp>
         <p:sp>
           <p:nvSpPr>
-            <p:cNvPr id="107" name="Line 26">
+            <p:cNvPr id="89" name="Line 26">
               <a:extLst>
                 <a:ext uri="{FF2B5EF4-FFF2-40B4-BE49-F238E27FC236}">
-                  <a16:creationId xmlns:a16="http://schemas.microsoft.com/office/drawing/2014/main" id="{F6B1ECBB-0A14-4A87-8082-306058647B9E}"/>
+                  <a16:creationId xmlns:a16="http://schemas.microsoft.com/office/drawing/2014/main" id="{E4038BE8-E26D-4723-A0B2-2C9A1AFF7973}"/>
                 </a:ext>
               </a:extLst>
             </p:cNvPr>
@@ -9284,10 +9219,10 @@
         </p:sp>
         <p:sp>
           <p:nvSpPr>
-            <p:cNvPr id="108" name="Line 27">
+            <p:cNvPr id="90" name="Line 27">
               <a:extLst>
                 <a:ext uri="{FF2B5EF4-FFF2-40B4-BE49-F238E27FC236}">
-                  <a16:creationId xmlns:a16="http://schemas.microsoft.com/office/drawing/2014/main" id="{1DD23E12-4194-4B54-9500-1003CC493C92}"/>
+                  <a16:creationId xmlns:a16="http://schemas.microsoft.com/office/drawing/2014/main" id="{1BCAEA2C-5A79-49C2-A958-76C819A4EF5E}"/>
                 </a:ext>
               </a:extLst>
             </p:cNvPr>
@@ -9336,10 +9271,10 @@
         </p:sp>
         <p:sp>
           <p:nvSpPr>
-            <p:cNvPr id="109" name="Line 28">
+            <p:cNvPr id="91" name="Line 28">
               <a:extLst>
                 <a:ext uri="{FF2B5EF4-FFF2-40B4-BE49-F238E27FC236}">
-                  <a16:creationId xmlns:a16="http://schemas.microsoft.com/office/drawing/2014/main" id="{DC4FCA3B-113F-4E47-A8CB-403596A89496}"/>
+                  <a16:creationId xmlns:a16="http://schemas.microsoft.com/office/drawing/2014/main" id="{1919844B-8400-4F5D-A36C-839A9BEECDD9}"/>
                 </a:ext>
               </a:extLst>
             </p:cNvPr>
@@ -9388,10 +9323,10 @@
         </p:sp>
         <p:sp>
           <p:nvSpPr>
-            <p:cNvPr id="110" name="Freeform 29">
+            <p:cNvPr id="92" name="Freeform 29">
               <a:extLst>
                 <a:ext uri="{FF2B5EF4-FFF2-40B4-BE49-F238E27FC236}">
-                  <a16:creationId xmlns:a16="http://schemas.microsoft.com/office/drawing/2014/main" id="{99B3F4B5-FCA2-44F1-BF32-909D12ACC3E8}"/>
+                  <a16:creationId xmlns:a16="http://schemas.microsoft.com/office/drawing/2014/main" id="{DC7AF201-1BB1-4BDD-BFB0-1EA66BFD78E8}"/>
                 </a:ext>
               </a:extLst>
             </p:cNvPr>
@@ -10080,10 +10015,10 @@
       </p:grpSp>
       <p:cxnSp>
         <p:nvCxnSpPr>
-          <p:cNvPr id="116" name="Straight Connector 115">
+          <p:cNvPr id="93" name="Straight Connector 92">
             <a:extLst>
               <a:ext uri="{FF2B5EF4-FFF2-40B4-BE49-F238E27FC236}">
-                <a16:creationId xmlns:a16="http://schemas.microsoft.com/office/drawing/2014/main" id="{7BAD87F9-7199-4579-B54E-9110791E21DB}"/>
+                <a16:creationId xmlns:a16="http://schemas.microsoft.com/office/drawing/2014/main" id="{AF3B906D-848B-426B-BEE0-88C22974772D}"/>
               </a:ext>
             </a:extLst>
           </p:cNvPr>
@@ -10094,7 +10029,7 @@
         </p:nvCxnSpPr>
         <p:spPr>
           <a:xfrm flipH="1" flipV="1">
-            <a:off x="4699948" y="7305667"/>
+            <a:off x="4699948" y="7621675"/>
             <a:ext cx="198437" cy="412032"/>
           </a:xfrm>
           <a:prstGeom prst="line">
@@ -10124,10 +10059,10 @@
       </p:cxnSp>
       <p:sp>
         <p:nvSpPr>
-          <p:cNvPr id="117" name="TextBox 116">
+          <p:cNvPr id="94" name="TextBox 93">
             <a:extLst>
               <a:ext uri="{FF2B5EF4-FFF2-40B4-BE49-F238E27FC236}">
-                <a16:creationId xmlns:a16="http://schemas.microsoft.com/office/drawing/2014/main" id="{6E46D0F0-ED75-4FDF-B446-47F5ADB076AC}"/>
+                <a16:creationId xmlns:a16="http://schemas.microsoft.com/office/drawing/2014/main" id="{D7A8FAB8-B10E-4EF6-90DF-E2F19936D031}"/>
               </a:ext>
             </a:extLst>
           </p:cNvPr>
@@ -10136,7 +10071,7 @@
         </p:nvSpPr>
         <p:spPr>
           <a:xfrm>
-            <a:off x="4260210" y="7387751"/>
+            <a:off x="4260210" y="7703759"/>
             <a:ext cx="533400" cy="369332"/>
           </a:xfrm>
           <a:prstGeom prst="rect">
@@ -10160,10 +10095,10 @@
       </p:sp>
       <p:cxnSp>
         <p:nvCxnSpPr>
-          <p:cNvPr id="118" name="Straight Connector 117">
+          <p:cNvPr id="95" name="Straight Connector 94">
             <a:extLst>
               <a:ext uri="{FF2B5EF4-FFF2-40B4-BE49-F238E27FC236}">
-                <a16:creationId xmlns:a16="http://schemas.microsoft.com/office/drawing/2014/main" id="{C00F5963-D7C7-4F96-BAFD-422781ED446B}"/>
+                <a16:creationId xmlns:a16="http://schemas.microsoft.com/office/drawing/2014/main" id="{1EFD2482-3583-45AC-ACE7-11C1B8DE5008}"/>
               </a:ext>
             </a:extLst>
           </p:cNvPr>
@@ -10174,7 +10109,7 @@
         </p:nvCxnSpPr>
         <p:spPr>
           <a:xfrm flipH="1">
-            <a:off x="3351932" y="7282724"/>
+            <a:off x="3351932" y="7598732"/>
             <a:ext cx="148039" cy="434975"/>
           </a:xfrm>
           <a:prstGeom prst="line">
@@ -10204,10 +10139,10 @@
       </p:cxnSp>
       <p:sp>
         <p:nvSpPr>
-          <p:cNvPr id="119" name="TextBox 118">
+          <p:cNvPr id="96" name="TextBox 95">
             <a:extLst>
               <a:ext uri="{FF2B5EF4-FFF2-40B4-BE49-F238E27FC236}">
-                <a16:creationId xmlns:a16="http://schemas.microsoft.com/office/drawing/2014/main" id="{9E98BDCB-CCA2-474B-88DF-3245BFC977BA}"/>
+                <a16:creationId xmlns:a16="http://schemas.microsoft.com/office/drawing/2014/main" id="{D5B1A963-94C7-4E32-A428-D14B730CDD7A}"/>
               </a:ext>
             </a:extLst>
           </p:cNvPr>
@@ -10216,7 +10151,7 @@
         </p:nvSpPr>
         <p:spPr>
           <a:xfrm>
-            <a:off x="3523526" y="7382192"/>
+            <a:off x="3523526" y="7698200"/>
             <a:ext cx="533400" cy="369332"/>
           </a:xfrm>
           <a:prstGeom prst="rect">
@@ -10240,10 +10175,10 @@
       </p:sp>
       <p:grpSp>
         <p:nvGrpSpPr>
-          <p:cNvPr id="120" name="Group 21">
+          <p:cNvPr id="97" name="Group 21">
             <a:extLst>
               <a:ext uri="{FF2B5EF4-FFF2-40B4-BE49-F238E27FC236}">
-                <a16:creationId xmlns:a16="http://schemas.microsoft.com/office/drawing/2014/main" id="{446D8329-F479-4D3E-B448-C5A9CA343A41}"/>
+                <a16:creationId xmlns:a16="http://schemas.microsoft.com/office/drawing/2014/main" id="{920944A0-E07F-429A-BF3C-85D4DFD0D569}"/>
               </a:ext>
             </a:extLst>
           </p:cNvPr>
@@ -10254,7 +10189,7 @@
         </p:nvGrpSpPr>
         <p:grpSpPr bwMode="auto">
           <a:xfrm>
-            <a:off x="1905000" y="5090796"/>
+            <a:off x="1905000" y="5406804"/>
             <a:ext cx="185738" cy="660400"/>
             <a:chOff x="5403" y="3457"/>
             <a:chExt cx="209" cy="755"/>
@@ -10262,10 +10197,10 @@
         </p:grpSpPr>
         <p:sp>
           <p:nvSpPr>
-            <p:cNvPr id="121" name="Oval 22">
+            <p:cNvPr id="98" name="Oval 22">
               <a:extLst>
                 <a:ext uri="{FF2B5EF4-FFF2-40B4-BE49-F238E27FC236}">
-                  <a16:creationId xmlns:a16="http://schemas.microsoft.com/office/drawing/2014/main" id="{BB27CB95-725E-4C8B-81FD-414155227E3F}"/>
+                  <a16:creationId xmlns:a16="http://schemas.microsoft.com/office/drawing/2014/main" id="{D6A8BE1B-EC12-4C0D-A847-1C6922DE9421}"/>
                 </a:ext>
               </a:extLst>
             </p:cNvPr>
@@ -10411,10 +10346,10 @@
         </p:sp>
         <p:sp>
           <p:nvSpPr>
-            <p:cNvPr id="122" name="Oval 23">
+            <p:cNvPr id="99" name="Oval 23">
               <a:extLst>
                 <a:ext uri="{FF2B5EF4-FFF2-40B4-BE49-F238E27FC236}">
-                  <a16:creationId xmlns:a16="http://schemas.microsoft.com/office/drawing/2014/main" id="{1E87AAFE-250F-4191-8324-F2CCCD7F0EF4}"/>
+                  <a16:creationId xmlns:a16="http://schemas.microsoft.com/office/drawing/2014/main" id="{86796A53-BD84-4561-BA7F-7F7F4FF77779}"/>
                 </a:ext>
               </a:extLst>
             </p:cNvPr>
@@ -10560,10 +10495,10 @@
         </p:sp>
         <p:sp>
           <p:nvSpPr>
-            <p:cNvPr id="123" name="Freeform 24">
+            <p:cNvPr id="100" name="Freeform 24">
               <a:extLst>
                 <a:ext uri="{FF2B5EF4-FFF2-40B4-BE49-F238E27FC236}">
-                  <a16:creationId xmlns:a16="http://schemas.microsoft.com/office/drawing/2014/main" id="{E916C146-43E0-4D09-8C47-54DC6E1BF5AD}"/>
+                  <a16:creationId xmlns:a16="http://schemas.microsoft.com/office/drawing/2014/main" id="{6550B959-251F-4D99-9895-B227E4451351}"/>
                 </a:ext>
               </a:extLst>
             </p:cNvPr>
@@ -10661,10 +10596,10 @@
         </p:sp>
         <p:sp>
           <p:nvSpPr>
-            <p:cNvPr id="124" name="Rectangle 25">
+            <p:cNvPr id="101" name="Rectangle 25">
               <a:extLst>
                 <a:ext uri="{FF2B5EF4-FFF2-40B4-BE49-F238E27FC236}">
-                  <a16:creationId xmlns:a16="http://schemas.microsoft.com/office/drawing/2014/main" id="{04DB16B3-59AD-4B7F-8F53-F1D2E4CD9F7A}"/>
+                  <a16:creationId xmlns:a16="http://schemas.microsoft.com/office/drawing/2014/main" id="{FF6A4E96-43C3-4E78-B24E-469D59CD31A0}"/>
                 </a:ext>
               </a:extLst>
             </p:cNvPr>
@@ -10810,10 +10745,10 @@
         </p:sp>
         <p:sp>
           <p:nvSpPr>
-            <p:cNvPr id="125" name="Rectangle 26">
+            <p:cNvPr id="102" name="Rectangle 26">
               <a:extLst>
                 <a:ext uri="{FF2B5EF4-FFF2-40B4-BE49-F238E27FC236}">
-                  <a16:creationId xmlns:a16="http://schemas.microsoft.com/office/drawing/2014/main" id="{268F84C3-5A17-4A11-A19B-8152E1B6C085}"/>
+                  <a16:creationId xmlns:a16="http://schemas.microsoft.com/office/drawing/2014/main" id="{1195CAD3-EAD1-49A8-A53A-0A0D40E28F0B}"/>
                 </a:ext>
               </a:extLst>
             </p:cNvPr>
@@ -10966,10 +10901,10 @@
         </p:sp>
         <p:sp>
           <p:nvSpPr>
-            <p:cNvPr id="126" name="Rectangle 27">
+            <p:cNvPr id="103" name="Rectangle 27">
               <a:extLst>
                 <a:ext uri="{FF2B5EF4-FFF2-40B4-BE49-F238E27FC236}">
-                  <a16:creationId xmlns:a16="http://schemas.microsoft.com/office/drawing/2014/main" id="{612B4B30-74C9-4729-9419-BC92965B43A8}"/>
+                  <a16:creationId xmlns:a16="http://schemas.microsoft.com/office/drawing/2014/main" id="{18EEA01C-5AD0-41CA-B789-BD7A70596205}"/>
                 </a:ext>
               </a:extLst>
             </p:cNvPr>
@@ -11115,10 +11050,10 @@
         </p:sp>
         <p:sp>
           <p:nvSpPr>
-            <p:cNvPr id="127" name="Rectangle 28">
+            <p:cNvPr id="104" name="Rectangle 28">
               <a:extLst>
                 <a:ext uri="{FF2B5EF4-FFF2-40B4-BE49-F238E27FC236}">
-                  <a16:creationId xmlns:a16="http://schemas.microsoft.com/office/drawing/2014/main" id="{20DBAEB8-F8B6-4E36-AAE8-9F9B21CC55E0}"/>
+                  <a16:creationId xmlns:a16="http://schemas.microsoft.com/office/drawing/2014/main" id="{E88FF9A0-3E72-4ED2-A290-FFD1511319D2}"/>
                 </a:ext>
               </a:extLst>
             </p:cNvPr>
@@ -11265,10 +11200,10 @@
       </p:grpSp>
       <p:grpSp>
         <p:nvGrpSpPr>
-          <p:cNvPr id="132" name="Group 44">
+          <p:cNvPr id="105" name="Group 44">
             <a:extLst>
               <a:ext uri="{FF2B5EF4-FFF2-40B4-BE49-F238E27FC236}">
-                <a16:creationId xmlns:a16="http://schemas.microsoft.com/office/drawing/2014/main" id="{C6D2F4EC-BC55-4F12-8AD9-234B2EFA22B4}"/>
+                <a16:creationId xmlns:a16="http://schemas.microsoft.com/office/drawing/2014/main" id="{144E3D46-2E3B-49FD-BE54-A24F2357CD2C}"/>
               </a:ext>
             </a:extLst>
           </p:cNvPr>
@@ -11279,7 +11214,7 @@
         </p:nvGrpSpPr>
         <p:grpSpPr bwMode="auto">
           <a:xfrm>
-            <a:off x="3273986" y="5210771"/>
+            <a:off x="3273986" y="5526779"/>
             <a:ext cx="287338" cy="787400"/>
             <a:chOff x="1756" y="2113"/>
             <a:chExt cx="181" cy="499"/>
@@ -11287,10 +11222,10 @@
         </p:grpSpPr>
         <p:sp>
           <p:nvSpPr>
-            <p:cNvPr id="133" name="Line 45">
+            <p:cNvPr id="106" name="Line 45">
               <a:extLst>
                 <a:ext uri="{FF2B5EF4-FFF2-40B4-BE49-F238E27FC236}">
-                  <a16:creationId xmlns:a16="http://schemas.microsoft.com/office/drawing/2014/main" id="{9A490BBD-076C-4888-A258-44EBD8736965}"/>
+                  <a16:creationId xmlns:a16="http://schemas.microsoft.com/office/drawing/2014/main" id="{16D2DEB8-A337-4EF7-91BA-F62F810978B6}"/>
                 </a:ext>
               </a:extLst>
             </p:cNvPr>
@@ -11334,10 +11269,10 @@
         </p:sp>
         <p:sp>
           <p:nvSpPr>
-            <p:cNvPr id="134" name="Line 46">
+            <p:cNvPr id="107" name="Line 46">
               <a:extLst>
                 <a:ext uri="{FF2B5EF4-FFF2-40B4-BE49-F238E27FC236}">
-                  <a16:creationId xmlns:a16="http://schemas.microsoft.com/office/drawing/2014/main" id="{72EEC5DE-8772-4523-9F30-53C8BF51139B}"/>
+                  <a16:creationId xmlns:a16="http://schemas.microsoft.com/office/drawing/2014/main" id="{67A3E678-2930-4CC2-A4BE-8AD3FADFCDA6}"/>
                 </a:ext>
               </a:extLst>
             </p:cNvPr>
@@ -11381,10 +11316,10 @@
         </p:sp>
         <p:grpSp>
           <p:nvGrpSpPr>
-            <p:cNvPr id="135" name="Group 47">
+            <p:cNvPr id="108" name="Group 47">
               <a:extLst>
                 <a:ext uri="{FF2B5EF4-FFF2-40B4-BE49-F238E27FC236}">
-                  <a16:creationId xmlns:a16="http://schemas.microsoft.com/office/drawing/2014/main" id="{E7B8CFE6-5D24-4AD5-8FB3-F84A424ADF83}"/>
+                  <a16:creationId xmlns:a16="http://schemas.microsoft.com/office/drawing/2014/main" id="{B703EA26-9219-426C-B95B-A00D02B54723}"/>
                 </a:ext>
               </a:extLst>
             </p:cNvPr>
@@ -11403,10 +11338,10 @@
           </p:grpSpPr>
           <p:sp>
             <p:nvSpPr>
-              <p:cNvPr id="136" name="Freeform 48">
+              <p:cNvPr id="109" name="Freeform 48">
                 <a:extLst>
                   <a:ext uri="{FF2B5EF4-FFF2-40B4-BE49-F238E27FC236}">
-                    <a16:creationId xmlns:a16="http://schemas.microsoft.com/office/drawing/2014/main" id="{3A298FEA-B97D-43B0-A6E3-A8D10DB410DC}"/>
+                    <a16:creationId xmlns:a16="http://schemas.microsoft.com/office/drawing/2014/main" id="{E0E3D596-AEC9-45A5-AC82-039422C91D83}"/>
                   </a:ext>
                 </a:extLst>
               </p:cNvPr>
@@ -11576,10 +11511,10 @@
           </p:sp>
           <p:sp>
             <p:nvSpPr>
-              <p:cNvPr id="137" name="Freeform 49">
+              <p:cNvPr id="110" name="Freeform 49">
                 <a:extLst>
                   <a:ext uri="{FF2B5EF4-FFF2-40B4-BE49-F238E27FC236}">
-                    <a16:creationId xmlns:a16="http://schemas.microsoft.com/office/drawing/2014/main" id="{AEE92BF8-37E3-4D42-9973-31A658529402}"/>
+                    <a16:creationId xmlns:a16="http://schemas.microsoft.com/office/drawing/2014/main" id="{F5BAB7AF-3CD7-44C9-AF8F-DB7059F6A613}"/>
                   </a:ext>
                 </a:extLst>
               </p:cNvPr>
@@ -11696,10 +11631,10 @@
           </p:sp>
           <p:sp>
             <p:nvSpPr>
-              <p:cNvPr id="138" name="Freeform 50">
+              <p:cNvPr id="111" name="Freeform 50">
                 <a:extLst>
                   <a:ext uri="{FF2B5EF4-FFF2-40B4-BE49-F238E27FC236}">
-                    <a16:creationId xmlns:a16="http://schemas.microsoft.com/office/drawing/2014/main" id="{C8ACF353-6AD4-47AA-87DF-DA38FABE05D9}"/>
+                    <a16:creationId xmlns:a16="http://schemas.microsoft.com/office/drawing/2014/main" id="{4A82EAC3-5A16-4811-A8A6-AF7A9F506028}"/>
                   </a:ext>
                 </a:extLst>
               </p:cNvPr>
@@ -11818,10 +11753,10 @@
       </p:grpSp>
       <p:grpSp>
         <p:nvGrpSpPr>
-          <p:cNvPr id="139" name="Group 170">
+          <p:cNvPr id="112" name="Group 170">
             <a:extLst>
               <a:ext uri="{FF2B5EF4-FFF2-40B4-BE49-F238E27FC236}">
-                <a16:creationId xmlns:a16="http://schemas.microsoft.com/office/drawing/2014/main" id="{422522B2-281C-489F-BD99-F7BCB62F5EBF}"/>
+                <a16:creationId xmlns:a16="http://schemas.microsoft.com/office/drawing/2014/main" id="{BE074815-B8D8-4254-8E86-6F5281DB904A}"/>
               </a:ext>
             </a:extLst>
           </p:cNvPr>
@@ -11832,7 +11767,7 @@
         </p:nvGrpSpPr>
         <p:grpSpPr bwMode="auto">
           <a:xfrm>
-            <a:off x="3545030" y="4828771"/>
+            <a:off x="3545030" y="5144779"/>
             <a:ext cx="288925" cy="787400"/>
             <a:chOff x="1008" y="2592"/>
             <a:chExt cx="182" cy="496"/>
@@ -11840,10 +11775,10 @@
         </p:grpSpPr>
         <p:sp>
           <p:nvSpPr>
-            <p:cNvPr id="140" name="Line 171">
+            <p:cNvPr id="113" name="Line 171">
               <a:extLst>
                 <a:ext uri="{FF2B5EF4-FFF2-40B4-BE49-F238E27FC236}">
-                  <a16:creationId xmlns:a16="http://schemas.microsoft.com/office/drawing/2014/main" id="{E70212A8-CE81-4527-A3AD-7FB90AFA1695}"/>
+                  <a16:creationId xmlns:a16="http://schemas.microsoft.com/office/drawing/2014/main" id="{BBE32790-03CF-4D3A-BC54-6A453CAE694F}"/>
                 </a:ext>
               </a:extLst>
             </p:cNvPr>
@@ -11887,10 +11822,10 @@
         </p:sp>
         <p:sp>
           <p:nvSpPr>
-            <p:cNvPr id="141" name="Line 172">
+            <p:cNvPr id="114" name="Line 172">
               <a:extLst>
                 <a:ext uri="{FF2B5EF4-FFF2-40B4-BE49-F238E27FC236}">
-                  <a16:creationId xmlns:a16="http://schemas.microsoft.com/office/drawing/2014/main" id="{7D15965C-1980-4F96-AF67-F58BA111C0EF}"/>
+                  <a16:creationId xmlns:a16="http://schemas.microsoft.com/office/drawing/2014/main" id="{BB443B18-C5BA-4F70-817C-7E38C039E964}"/>
                 </a:ext>
               </a:extLst>
             </p:cNvPr>
@@ -11934,10 +11869,10 @@
         </p:sp>
         <p:grpSp>
           <p:nvGrpSpPr>
-            <p:cNvPr id="142" name="Group 173">
+            <p:cNvPr id="115" name="Group 173">
               <a:extLst>
                 <a:ext uri="{FF2B5EF4-FFF2-40B4-BE49-F238E27FC236}">
-                  <a16:creationId xmlns:a16="http://schemas.microsoft.com/office/drawing/2014/main" id="{211F1FAF-DD50-43F7-B2AB-2688167EDA36}"/>
+                  <a16:creationId xmlns:a16="http://schemas.microsoft.com/office/drawing/2014/main" id="{70098290-3D61-4D5C-868B-A9CD3F8C40CA}"/>
                 </a:ext>
               </a:extLst>
             </p:cNvPr>
@@ -11956,10 +11891,10 @@
           </p:grpSpPr>
           <p:sp>
             <p:nvSpPr>
-              <p:cNvPr id="143" name="Freeform 174">
+              <p:cNvPr id="116" name="Freeform 174">
                 <a:extLst>
                   <a:ext uri="{FF2B5EF4-FFF2-40B4-BE49-F238E27FC236}">
-                    <a16:creationId xmlns:a16="http://schemas.microsoft.com/office/drawing/2014/main" id="{5CA82FB8-7733-46A0-A9C8-5716E3B75AD5}"/>
+                    <a16:creationId xmlns:a16="http://schemas.microsoft.com/office/drawing/2014/main" id="{A2A98C1C-B114-475E-986C-0A0B930550B0}"/>
                   </a:ext>
                 </a:extLst>
               </p:cNvPr>
@@ -12129,10 +12064,10 @@
           </p:sp>
           <p:sp>
             <p:nvSpPr>
-              <p:cNvPr id="144" name="Freeform 175">
+              <p:cNvPr id="117" name="Freeform 175">
                 <a:extLst>
                   <a:ext uri="{FF2B5EF4-FFF2-40B4-BE49-F238E27FC236}">
-                    <a16:creationId xmlns:a16="http://schemas.microsoft.com/office/drawing/2014/main" id="{B77E436E-0842-4CB3-B05D-335F631C4F86}"/>
+                    <a16:creationId xmlns:a16="http://schemas.microsoft.com/office/drawing/2014/main" id="{B81616A8-7196-45F1-BB03-62917D1DC3DB}"/>
                   </a:ext>
                 </a:extLst>
               </p:cNvPr>
@@ -12251,10 +12186,10 @@
       </p:grpSp>
       <p:grpSp>
         <p:nvGrpSpPr>
-          <p:cNvPr id="36" name="Group 13">
+          <p:cNvPr id="118" name="Group 13">
             <a:extLst>
               <a:ext uri="{FF2B5EF4-FFF2-40B4-BE49-F238E27FC236}">
-                <a16:creationId xmlns:a16="http://schemas.microsoft.com/office/drawing/2014/main" id="{DF31429E-9F98-4F2D-8A6D-B4701E450BC4}"/>
+                <a16:creationId xmlns:a16="http://schemas.microsoft.com/office/drawing/2014/main" id="{F04B1EED-5A39-40BA-8C1F-9CC54839091E}"/>
               </a:ext>
             </a:extLst>
           </p:cNvPr>
@@ -12265,7 +12200,7 @@
         </p:nvGrpSpPr>
         <p:grpSpPr bwMode="auto">
           <a:xfrm>
-            <a:off x="2859160" y="5914133"/>
+            <a:off x="2859160" y="6230141"/>
             <a:ext cx="393700" cy="1271588"/>
             <a:chOff x="2901" y="4325"/>
             <a:chExt cx="236" cy="690"/>
@@ -12273,10 +12208,10 @@
         </p:grpSpPr>
         <p:sp>
           <p:nvSpPr>
-            <p:cNvPr id="37" name="AutoShape 14">
+            <p:cNvPr id="119" name="AutoShape 14">
               <a:extLst>
                 <a:ext uri="{FF2B5EF4-FFF2-40B4-BE49-F238E27FC236}">
-                  <a16:creationId xmlns:a16="http://schemas.microsoft.com/office/drawing/2014/main" id="{4A6B1569-4FF8-407D-98A9-5E98AD11ADC8}"/>
+                  <a16:creationId xmlns:a16="http://schemas.microsoft.com/office/drawing/2014/main" id="{7E21FA8C-A6B1-4567-A053-8DCED052C5C9}"/>
                 </a:ext>
               </a:extLst>
             </p:cNvPr>
@@ -12426,10 +12361,10 @@
         </p:sp>
         <p:sp>
           <p:nvSpPr>
-            <p:cNvPr id="38" name="AutoShape 15">
+            <p:cNvPr id="120" name="AutoShape 15">
               <a:extLst>
                 <a:ext uri="{FF2B5EF4-FFF2-40B4-BE49-F238E27FC236}">
-                  <a16:creationId xmlns:a16="http://schemas.microsoft.com/office/drawing/2014/main" id="{4CB9DA8C-7643-4736-9908-326767307F10}"/>
+                  <a16:creationId xmlns:a16="http://schemas.microsoft.com/office/drawing/2014/main" id="{CC8B48E0-CCE7-4761-8D14-6987556C08BE}"/>
                 </a:ext>
               </a:extLst>
             </p:cNvPr>
@@ -12580,10 +12515,10 @@
       </p:grpSp>
       <p:grpSp>
         <p:nvGrpSpPr>
-          <p:cNvPr id="57" name="Group 4">
+          <p:cNvPr id="121" name="Group 4">
             <a:extLst>
               <a:ext uri="{FF2B5EF4-FFF2-40B4-BE49-F238E27FC236}">
-                <a16:creationId xmlns:a16="http://schemas.microsoft.com/office/drawing/2014/main" id="{AF7E3E8A-950B-4CD1-B9E9-4D8836453273}"/>
+                <a16:creationId xmlns:a16="http://schemas.microsoft.com/office/drawing/2014/main" id="{851D6615-CE46-4938-AE36-A961336AB70E}"/>
               </a:ext>
             </a:extLst>
           </p:cNvPr>
@@ -12594,7 +12529,7 @@
         </p:nvGrpSpPr>
         <p:grpSpPr bwMode="auto">
           <a:xfrm>
-            <a:off x="3331439" y="5727360"/>
+            <a:off x="3331439" y="6043368"/>
             <a:ext cx="360363" cy="838200"/>
             <a:chOff x="-2155" y="1485"/>
             <a:chExt cx="227" cy="528"/>
@@ -12602,10 +12537,10 @@
         </p:grpSpPr>
         <p:sp>
           <p:nvSpPr>
-            <p:cNvPr id="58" name="AutoShape 3">
+            <p:cNvPr id="122" name="AutoShape 3">
               <a:extLst>
                 <a:ext uri="{FF2B5EF4-FFF2-40B4-BE49-F238E27FC236}">
-                  <a16:creationId xmlns:a16="http://schemas.microsoft.com/office/drawing/2014/main" id="{2C457469-AA68-4058-A988-7D47C60B88B9}"/>
+                  <a16:creationId xmlns:a16="http://schemas.microsoft.com/office/drawing/2014/main" id="{CB25DD75-45F9-4D72-B060-F66C5A905DA8}"/>
                 </a:ext>
               </a:extLst>
             </p:cNvPr>
@@ -12660,10 +12595,10 @@
         </p:sp>
         <p:sp>
           <p:nvSpPr>
-            <p:cNvPr id="59" name="Rectangle 5">
+            <p:cNvPr id="123" name="Rectangle 5">
               <a:extLst>
                 <a:ext uri="{FF2B5EF4-FFF2-40B4-BE49-F238E27FC236}">
-                  <a16:creationId xmlns:a16="http://schemas.microsoft.com/office/drawing/2014/main" id="{ACA28EBD-7CC6-4EED-A000-74B109BCEABC}"/>
+                  <a16:creationId xmlns:a16="http://schemas.microsoft.com/office/drawing/2014/main" id="{F90E95BC-9819-4EC7-B341-D00530C80D40}"/>
                 </a:ext>
               </a:extLst>
             </p:cNvPr>
@@ -12713,10 +12648,10 @@
         </p:sp>
         <p:sp>
           <p:nvSpPr>
-            <p:cNvPr id="60" name="Rectangle 6">
+            <p:cNvPr id="124" name="Rectangle 6">
               <a:extLst>
                 <a:ext uri="{FF2B5EF4-FFF2-40B4-BE49-F238E27FC236}">
-                  <a16:creationId xmlns:a16="http://schemas.microsoft.com/office/drawing/2014/main" id="{81413AC7-AAA3-468E-B61A-5CC29B98B5F0}"/>
+                  <a16:creationId xmlns:a16="http://schemas.microsoft.com/office/drawing/2014/main" id="{CCD3EE92-3389-4530-B01E-F1CA3F9D9C15}"/>
                 </a:ext>
               </a:extLst>
             </p:cNvPr>
@@ -12766,10 +12701,10 @@
         </p:sp>
         <p:sp>
           <p:nvSpPr>
-            <p:cNvPr id="61" name="Freeform 7">
+            <p:cNvPr id="125" name="Freeform 7">
               <a:extLst>
                 <a:ext uri="{FF2B5EF4-FFF2-40B4-BE49-F238E27FC236}">
-                  <a16:creationId xmlns:a16="http://schemas.microsoft.com/office/drawing/2014/main" id="{6BAEC11C-DF31-4348-A24A-A76C1E9B1A15}"/>
+                  <a16:creationId xmlns:a16="http://schemas.microsoft.com/office/drawing/2014/main" id="{D33FC9BD-B43D-4415-86A9-275E82B6FA9B}"/>
                 </a:ext>
               </a:extLst>
             </p:cNvPr>
@@ -13006,10 +12941,10 @@
         </p:sp>
         <p:sp>
           <p:nvSpPr>
-            <p:cNvPr id="62" name="Line 8">
+            <p:cNvPr id="126" name="Line 8">
               <a:extLst>
                 <a:ext uri="{FF2B5EF4-FFF2-40B4-BE49-F238E27FC236}">
-                  <a16:creationId xmlns:a16="http://schemas.microsoft.com/office/drawing/2014/main" id="{A8BD3A51-4FC8-476E-891A-5159A5DE241E}"/>
+                  <a16:creationId xmlns:a16="http://schemas.microsoft.com/office/drawing/2014/main" id="{075BA767-C784-4BBF-8F8B-06745D842F95}"/>
                 </a:ext>
               </a:extLst>
             </p:cNvPr>
@@ -13058,10 +12993,10 @@
         </p:sp>
         <p:sp>
           <p:nvSpPr>
-            <p:cNvPr id="63" name="Line 9">
+            <p:cNvPr id="127" name="Line 9">
               <a:extLst>
                 <a:ext uri="{FF2B5EF4-FFF2-40B4-BE49-F238E27FC236}">
-                  <a16:creationId xmlns:a16="http://schemas.microsoft.com/office/drawing/2014/main" id="{46DD9A2E-5A63-4198-B337-5E85599AE7D6}"/>
+                  <a16:creationId xmlns:a16="http://schemas.microsoft.com/office/drawing/2014/main" id="{84F29914-0552-41C0-B4E1-3CE2258F3159}"/>
                 </a:ext>
               </a:extLst>
             </p:cNvPr>
@@ -13110,10 +13045,10 @@
         </p:sp>
         <p:sp>
           <p:nvSpPr>
-            <p:cNvPr id="64" name="Line 10">
+            <p:cNvPr id="128" name="Line 10">
               <a:extLst>
                 <a:ext uri="{FF2B5EF4-FFF2-40B4-BE49-F238E27FC236}">
-                  <a16:creationId xmlns:a16="http://schemas.microsoft.com/office/drawing/2014/main" id="{3AE16148-A710-4AF0-B2B9-DB91AAB77FFB}"/>
+                  <a16:creationId xmlns:a16="http://schemas.microsoft.com/office/drawing/2014/main" id="{8B3CFD54-679D-493A-BE63-66F82AC342B2}"/>
                 </a:ext>
               </a:extLst>
             </p:cNvPr>
@@ -13162,10 +13097,10 @@
         </p:sp>
         <p:sp>
           <p:nvSpPr>
-            <p:cNvPr id="65" name="Line 11">
+            <p:cNvPr id="129" name="Line 11">
               <a:extLst>
                 <a:ext uri="{FF2B5EF4-FFF2-40B4-BE49-F238E27FC236}">
-                  <a16:creationId xmlns:a16="http://schemas.microsoft.com/office/drawing/2014/main" id="{A22177A8-926C-4A68-955C-06F0294DDC34}"/>
+                  <a16:creationId xmlns:a16="http://schemas.microsoft.com/office/drawing/2014/main" id="{87BD4B7A-5F3E-451A-9AB2-873C75EA18CD}"/>
                 </a:ext>
               </a:extLst>
             </p:cNvPr>
@@ -13214,10 +13149,10 @@
         </p:sp>
         <p:sp>
           <p:nvSpPr>
-            <p:cNvPr id="66" name="Line 12">
+            <p:cNvPr id="130" name="Line 12">
               <a:extLst>
                 <a:ext uri="{FF2B5EF4-FFF2-40B4-BE49-F238E27FC236}">
-                  <a16:creationId xmlns:a16="http://schemas.microsoft.com/office/drawing/2014/main" id="{DC2EF5FE-9F26-42F1-9D0C-928AB9D7A0A2}"/>
+                  <a16:creationId xmlns:a16="http://schemas.microsoft.com/office/drawing/2014/main" id="{B81EFF57-E8A3-4FCC-9036-43A7312499BA}"/>
                 </a:ext>
               </a:extLst>
             </p:cNvPr>
@@ -13266,10 +13201,10 @@
         </p:sp>
         <p:sp>
           <p:nvSpPr>
-            <p:cNvPr id="67" name="Line 13">
+            <p:cNvPr id="131" name="Line 13">
               <a:extLst>
                 <a:ext uri="{FF2B5EF4-FFF2-40B4-BE49-F238E27FC236}">
-                  <a16:creationId xmlns:a16="http://schemas.microsoft.com/office/drawing/2014/main" id="{43BF48A3-9572-4034-93AE-2BB4B15BB0BF}"/>
+                  <a16:creationId xmlns:a16="http://schemas.microsoft.com/office/drawing/2014/main" id="{594EAA3F-2455-4303-BC20-C113A1CA7B90}"/>
                 </a:ext>
               </a:extLst>
             </p:cNvPr>
@@ -13318,10 +13253,10 @@
         </p:sp>
         <p:sp>
           <p:nvSpPr>
-            <p:cNvPr id="68" name="Line 14">
+            <p:cNvPr id="132" name="Line 14">
               <a:extLst>
                 <a:ext uri="{FF2B5EF4-FFF2-40B4-BE49-F238E27FC236}">
-                  <a16:creationId xmlns:a16="http://schemas.microsoft.com/office/drawing/2014/main" id="{7E40B423-0527-4E08-9CB1-CD1D8712AE7F}"/>
+                  <a16:creationId xmlns:a16="http://schemas.microsoft.com/office/drawing/2014/main" id="{BE36F6D2-6A55-4A0E-8B3E-A6A66ED2AD03}"/>
                 </a:ext>
               </a:extLst>
             </p:cNvPr>
@@ -13370,10 +13305,10 @@
         </p:sp>
         <p:sp>
           <p:nvSpPr>
-            <p:cNvPr id="69" name="Line 15">
+            <p:cNvPr id="133" name="Line 15">
               <a:extLst>
                 <a:ext uri="{FF2B5EF4-FFF2-40B4-BE49-F238E27FC236}">
-                  <a16:creationId xmlns:a16="http://schemas.microsoft.com/office/drawing/2014/main" id="{DB3F7FD8-CF94-4F0D-BC19-AFB22F22F9E2}"/>
+                  <a16:creationId xmlns:a16="http://schemas.microsoft.com/office/drawing/2014/main" id="{65126279-F460-4348-B4CD-9B5935E49458}"/>
                 </a:ext>
               </a:extLst>
             </p:cNvPr>
@@ -13422,10 +13357,10 @@
         </p:sp>
         <p:sp>
           <p:nvSpPr>
-            <p:cNvPr id="70" name="Line 16">
+            <p:cNvPr id="134" name="Line 16">
               <a:extLst>
                 <a:ext uri="{FF2B5EF4-FFF2-40B4-BE49-F238E27FC236}">
-                  <a16:creationId xmlns:a16="http://schemas.microsoft.com/office/drawing/2014/main" id="{43CCE30F-40F9-4E0A-9DF7-3623CB8D79D6}"/>
+                  <a16:creationId xmlns:a16="http://schemas.microsoft.com/office/drawing/2014/main" id="{2EF8FA54-E11C-4E13-8AB2-B2961116F017}"/>
                 </a:ext>
               </a:extLst>
             </p:cNvPr>
@@ -13474,10 +13409,10 @@
         </p:sp>
         <p:sp>
           <p:nvSpPr>
-            <p:cNvPr id="71" name="Line 17">
+            <p:cNvPr id="135" name="Line 17">
               <a:extLst>
                 <a:ext uri="{FF2B5EF4-FFF2-40B4-BE49-F238E27FC236}">
-                  <a16:creationId xmlns:a16="http://schemas.microsoft.com/office/drawing/2014/main" id="{84CEF8EC-6DF5-4FAC-9132-6EEE0158B367}"/>
+                  <a16:creationId xmlns:a16="http://schemas.microsoft.com/office/drawing/2014/main" id="{68538533-0429-49AA-9B6C-EC12977B5942}"/>
                 </a:ext>
               </a:extLst>
             </p:cNvPr>
@@ -13526,10 +13461,10 @@
         </p:sp>
         <p:sp>
           <p:nvSpPr>
-            <p:cNvPr id="72" name="Line 18">
+            <p:cNvPr id="136" name="Line 18">
               <a:extLst>
                 <a:ext uri="{FF2B5EF4-FFF2-40B4-BE49-F238E27FC236}">
-                  <a16:creationId xmlns:a16="http://schemas.microsoft.com/office/drawing/2014/main" id="{6F37D594-31A4-4542-9E57-534BA5756B4A}"/>
+                  <a16:creationId xmlns:a16="http://schemas.microsoft.com/office/drawing/2014/main" id="{466B9B1A-036C-4CBE-BCA0-71485EFF75D1}"/>
                 </a:ext>
               </a:extLst>
             </p:cNvPr>
@@ -13578,10 +13513,10 @@
         </p:sp>
         <p:sp>
           <p:nvSpPr>
-            <p:cNvPr id="73" name="Line 19">
+            <p:cNvPr id="137" name="Line 19">
               <a:extLst>
                 <a:ext uri="{FF2B5EF4-FFF2-40B4-BE49-F238E27FC236}">
-                  <a16:creationId xmlns:a16="http://schemas.microsoft.com/office/drawing/2014/main" id="{19440A26-5653-497B-8BA5-4B8FB30161A9}"/>
+                  <a16:creationId xmlns:a16="http://schemas.microsoft.com/office/drawing/2014/main" id="{891FC61D-C7C4-4C03-AD80-F50520223700}"/>
                 </a:ext>
               </a:extLst>
             </p:cNvPr>
@@ -13630,10 +13565,10 @@
         </p:sp>
         <p:sp>
           <p:nvSpPr>
-            <p:cNvPr id="74" name="Line 20">
+            <p:cNvPr id="138" name="Line 20">
               <a:extLst>
                 <a:ext uri="{FF2B5EF4-FFF2-40B4-BE49-F238E27FC236}">
-                  <a16:creationId xmlns:a16="http://schemas.microsoft.com/office/drawing/2014/main" id="{0A6DC185-484E-4CBC-8331-BA5B9E90FFF9}"/>
+                  <a16:creationId xmlns:a16="http://schemas.microsoft.com/office/drawing/2014/main" id="{0E4A80DA-9322-4DE8-A930-BC0F34E5DD86}"/>
                 </a:ext>
               </a:extLst>
             </p:cNvPr>
@@ -13682,10 +13617,10 @@
         </p:sp>
         <p:sp>
           <p:nvSpPr>
-            <p:cNvPr id="75" name="Line 21">
+            <p:cNvPr id="139" name="Line 21">
               <a:extLst>
                 <a:ext uri="{FF2B5EF4-FFF2-40B4-BE49-F238E27FC236}">
-                  <a16:creationId xmlns:a16="http://schemas.microsoft.com/office/drawing/2014/main" id="{57DD5784-ED4A-4936-A9CB-4ED0E83E25D1}"/>
+                  <a16:creationId xmlns:a16="http://schemas.microsoft.com/office/drawing/2014/main" id="{CC7B537A-A013-4AFC-80C2-052DDFD94C1A}"/>
                 </a:ext>
               </a:extLst>
             </p:cNvPr>
@@ -13734,10 +13669,10 @@
         </p:sp>
         <p:sp>
           <p:nvSpPr>
-            <p:cNvPr id="76" name="Line 22">
+            <p:cNvPr id="140" name="Line 22">
               <a:extLst>
                 <a:ext uri="{FF2B5EF4-FFF2-40B4-BE49-F238E27FC236}">
-                  <a16:creationId xmlns:a16="http://schemas.microsoft.com/office/drawing/2014/main" id="{2C35AEEE-8DF3-4C1A-BBEB-DD62E4A66154}"/>
+                  <a16:creationId xmlns:a16="http://schemas.microsoft.com/office/drawing/2014/main" id="{D1B5C309-A06F-4AFC-9D2D-0641336C198E}"/>
                 </a:ext>
               </a:extLst>
             </p:cNvPr>
@@ -13786,10 +13721,10 @@
         </p:sp>
         <p:sp>
           <p:nvSpPr>
-            <p:cNvPr id="77" name="Line 23">
+            <p:cNvPr id="141" name="Line 23">
               <a:extLst>
                 <a:ext uri="{FF2B5EF4-FFF2-40B4-BE49-F238E27FC236}">
-                  <a16:creationId xmlns:a16="http://schemas.microsoft.com/office/drawing/2014/main" id="{513F3F9D-BFF4-40F5-AE75-589B1965DB0E}"/>
+                  <a16:creationId xmlns:a16="http://schemas.microsoft.com/office/drawing/2014/main" id="{132A465F-E4E4-4800-895F-86143D702CC8}"/>
                 </a:ext>
               </a:extLst>
             </p:cNvPr>
@@ -13838,10 +13773,10 @@
         </p:sp>
         <p:sp>
           <p:nvSpPr>
-            <p:cNvPr id="78" name="Line 24">
+            <p:cNvPr id="142" name="Line 24">
               <a:extLst>
                 <a:ext uri="{FF2B5EF4-FFF2-40B4-BE49-F238E27FC236}">
-                  <a16:creationId xmlns:a16="http://schemas.microsoft.com/office/drawing/2014/main" id="{506DEF1F-A9C4-4244-BFE7-876B185ADDEC}"/>
+                  <a16:creationId xmlns:a16="http://schemas.microsoft.com/office/drawing/2014/main" id="{5F2EDDC1-3713-4577-9B47-9B4977F1E410}"/>
                 </a:ext>
               </a:extLst>
             </p:cNvPr>
@@ -13890,10 +13825,10 @@
         </p:sp>
         <p:sp>
           <p:nvSpPr>
-            <p:cNvPr id="79" name="Line 25">
+            <p:cNvPr id="143" name="Line 25">
               <a:extLst>
                 <a:ext uri="{FF2B5EF4-FFF2-40B4-BE49-F238E27FC236}">
-                  <a16:creationId xmlns:a16="http://schemas.microsoft.com/office/drawing/2014/main" id="{59F9F866-B7C3-40A0-8F3D-F76B47D00874}"/>
+                  <a16:creationId xmlns:a16="http://schemas.microsoft.com/office/drawing/2014/main" id="{13AFE6A6-F8C3-4956-BBAC-9D98F49AEB8F}"/>
                 </a:ext>
               </a:extLst>
             </p:cNvPr>
@@ -13942,10 +13877,10 @@
         </p:sp>
         <p:sp>
           <p:nvSpPr>
-            <p:cNvPr id="80" name="Line 26">
+            <p:cNvPr id="144" name="Line 26">
               <a:extLst>
                 <a:ext uri="{FF2B5EF4-FFF2-40B4-BE49-F238E27FC236}">
-                  <a16:creationId xmlns:a16="http://schemas.microsoft.com/office/drawing/2014/main" id="{697E1D27-FD49-4CB9-82AE-D19561E4D724}"/>
+                  <a16:creationId xmlns:a16="http://schemas.microsoft.com/office/drawing/2014/main" id="{32921E81-1DD8-4631-8EEA-11D53A7DB028}"/>
                 </a:ext>
               </a:extLst>
             </p:cNvPr>
@@ -13994,10 +13929,10 @@
         </p:sp>
         <p:sp>
           <p:nvSpPr>
-            <p:cNvPr id="81" name="Line 27">
+            <p:cNvPr id="145" name="Line 27">
               <a:extLst>
                 <a:ext uri="{FF2B5EF4-FFF2-40B4-BE49-F238E27FC236}">
-                  <a16:creationId xmlns:a16="http://schemas.microsoft.com/office/drawing/2014/main" id="{7D2EB440-7167-4888-B09A-0266C85F2CF2}"/>
+                  <a16:creationId xmlns:a16="http://schemas.microsoft.com/office/drawing/2014/main" id="{C7860097-5DE0-4A3F-B2F4-83C1A9E4BA18}"/>
                 </a:ext>
               </a:extLst>
             </p:cNvPr>
@@ -14046,10 +13981,10 @@
         </p:sp>
         <p:sp>
           <p:nvSpPr>
-            <p:cNvPr id="82" name="Line 28">
+            <p:cNvPr id="146" name="Line 28">
               <a:extLst>
                 <a:ext uri="{FF2B5EF4-FFF2-40B4-BE49-F238E27FC236}">
-                  <a16:creationId xmlns:a16="http://schemas.microsoft.com/office/drawing/2014/main" id="{5FF4841D-5546-44C2-B55F-AA0A7457AF5C}"/>
+                  <a16:creationId xmlns:a16="http://schemas.microsoft.com/office/drawing/2014/main" id="{63595285-0794-460F-A3F7-E82469E46BF2}"/>
                 </a:ext>
               </a:extLst>
             </p:cNvPr>
@@ -14098,10 +14033,10 @@
         </p:sp>
         <p:sp>
           <p:nvSpPr>
-            <p:cNvPr id="83" name="Freeform 29">
+            <p:cNvPr id="147" name="Freeform 29">
               <a:extLst>
                 <a:ext uri="{FF2B5EF4-FFF2-40B4-BE49-F238E27FC236}">
-                  <a16:creationId xmlns:a16="http://schemas.microsoft.com/office/drawing/2014/main" id="{36F280A6-197F-48D7-847E-4B42ABC85C8B}"/>
+                  <a16:creationId xmlns:a16="http://schemas.microsoft.com/office/drawing/2014/main" id="{58D4FDAC-DA2D-4BBD-8D82-D78CF6656D26}"/>
                 </a:ext>
               </a:extLst>
             </p:cNvPr>
@@ -14790,10 +14725,10 @@
       </p:grpSp>
       <p:sp>
         <p:nvSpPr>
-          <p:cNvPr id="35" name="Rectangle 11">
+          <p:cNvPr id="148" name="Rectangle 11">
             <a:extLst>
               <a:ext uri="{FF2B5EF4-FFF2-40B4-BE49-F238E27FC236}">
-                <a16:creationId xmlns:a16="http://schemas.microsoft.com/office/drawing/2014/main" id="{10CA9184-92C7-4BDA-971C-FD30A4991F8D}"/>
+                <a16:creationId xmlns:a16="http://schemas.microsoft.com/office/drawing/2014/main" id="{DC943F65-F45B-4470-A0F1-D300D3DFCB30}"/>
               </a:ext>
             </a:extLst>
           </p:cNvPr>
@@ -14804,7 +14739,7 @@
         </p:nvSpPr>
         <p:spPr bwMode="auto">
           <a:xfrm>
-            <a:off x="3497808" y="6069874"/>
+            <a:off x="3497808" y="6385882"/>
             <a:ext cx="1177925" cy="1212850"/>
           </a:xfrm>
           <a:prstGeom prst="rect">
@@ -14941,10 +14876,10 @@
       </p:sp>
       <p:cxnSp>
         <p:nvCxnSpPr>
-          <p:cNvPr id="145" name="Straight Connector 144">
+          <p:cNvPr id="149" name="Straight Connector 148">
             <a:extLst>
               <a:ext uri="{FF2B5EF4-FFF2-40B4-BE49-F238E27FC236}">
-                <a16:creationId xmlns:a16="http://schemas.microsoft.com/office/drawing/2014/main" id="{E675E586-D91D-4FEE-A82F-DE9EA1FC9669}"/>
+                <a16:creationId xmlns:a16="http://schemas.microsoft.com/office/drawing/2014/main" id="{38322471-0D9C-4DEC-AA8A-9DB388B98B0A}"/>
               </a:ext>
             </a:extLst>
           </p:cNvPr>
@@ -14955,7 +14890,7 @@
         </p:nvCxnSpPr>
         <p:spPr>
           <a:xfrm>
-            <a:off x="2884651" y="7124334"/>
+            <a:off x="2884651" y="7440342"/>
             <a:ext cx="79889" cy="483942"/>
           </a:xfrm>
           <a:prstGeom prst="line">
@@ -14985,10 +14920,10 @@
       </p:cxnSp>
       <p:sp>
         <p:nvSpPr>
-          <p:cNvPr id="146" name="TextBox 145">
+          <p:cNvPr id="150" name="TextBox 149">
             <a:extLst>
               <a:ext uri="{FF2B5EF4-FFF2-40B4-BE49-F238E27FC236}">
-                <a16:creationId xmlns:a16="http://schemas.microsoft.com/office/drawing/2014/main" id="{C06876B0-C840-4BEA-AC3D-25185DB291EC}"/>
+                <a16:creationId xmlns:a16="http://schemas.microsoft.com/office/drawing/2014/main" id="{8FDF66BE-134D-421F-9390-C8CE3CC95CEF}"/>
               </a:ext>
             </a:extLst>
           </p:cNvPr>
@@ -14997,7 +14932,7 @@
         </p:nvSpPr>
         <p:spPr>
           <a:xfrm>
-            <a:off x="2882748" y="7312305"/>
+            <a:off x="2882748" y="7628313"/>
             <a:ext cx="533400" cy="369332"/>
           </a:xfrm>
           <a:prstGeom prst="rect">
@@ -15021,10 +14956,10 @@
       </p:sp>
       <p:sp>
         <p:nvSpPr>
-          <p:cNvPr id="152" name="TextBox 151">
+          <p:cNvPr id="151" name="TextBox 150">
             <a:extLst>
               <a:ext uri="{FF2B5EF4-FFF2-40B4-BE49-F238E27FC236}">
-                <a16:creationId xmlns:a16="http://schemas.microsoft.com/office/drawing/2014/main" id="{614EB48B-117E-4E35-B40B-51D013E4FAE9}"/>
+                <a16:creationId xmlns:a16="http://schemas.microsoft.com/office/drawing/2014/main" id="{AD4D1343-77DB-4911-84CA-996A030A8C6D}"/>
               </a:ext>
             </a:extLst>
           </p:cNvPr>
@@ -15033,7 +14968,7 @@
         </p:nvSpPr>
         <p:spPr>
           <a:xfrm>
-            <a:off x="5145628" y="5594368"/>
+            <a:off x="5145628" y="5910376"/>
             <a:ext cx="533400" cy="369332"/>
           </a:xfrm>
           <a:prstGeom prst="rect">
@@ -15056,10 +14991,10 @@
       </p:sp>
       <p:sp>
         <p:nvSpPr>
-          <p:cNvPr id="160" name="TextBox 159">
+          <p:cNvPr id="152" name="TextBox 151">
             <a:extLst>
               <a:ext uri="{FF2B5EF4-FFF2-40B4-BE49-F238E27FC236}">
-                <a16:creationId xmlns:a16="http://schemas.microsoft.com/office/drawing/2014/main" id="{301854F9-8DF1-4FF9-AED5-4AD640C7E4D9}"/>
+                <a16:creationId xmlns:a16="http://schemas.microsoft.com/office/drawing/2014/main" id="{0851FFE8-8A67-47B7-95B2-5F192137A634}"/>
               </a:ext>
             </a:extLst>
           </p:cNvPr>
@@ -15068,7 +15003,7 @@
         </p:nvSpPr>
         <p:spPr>
           <a:xfrm>
-            <a:off x="3386208" y="4421728"/>
+            <a:off x="3386208" y="4737736"/>
             <a:ext cx="533400" cy="369332"/>
           </a:xfrm>
           <a:prstGeom prst="rect">
@@ -15091,10 +15026,10 @@
       </p:sp>
       <p:sp>
         <p:nvSpPr>
-          <p:cNvPr id="161" name="TextBox 160">
+          <p:cNvPr id="153" name="TextBox 152">
             <a:extLst>
               <a:ext uri="{FF2B5EF4-FFF2-40B4-BE49-F238E27FC236}">
-                <a16:creationId xmlns:a16="http://schemas.microsoft.com/office/drawing/2014/main" id="{B126A147-A3AC-48EB-B5AA-E5A095B8F262}"/>
+                <a16:creationId xmlns:a16="http://schemas.microsoft.com/office/drawing/2014/main" id="{1D04D156-7150-48A4-B0D0-E902551A3F4C}"/>
               </a:ext>
             </a:extLst>
           </p:cNvPr>
@@ -15103,7 +15038,7 @@
         </p:nvSpPr>
         <p:spPr>
           <a:xfrm>
-            <a:off x="3043495" y="4818686"/>
+            <a:off x="3043495" y="5134694"/>
             <a:ext cx="533400" cy="369332"/>
           </a:xfrm>
           <a:prstGeom prst="rect">
@@ -15126,10 +15061,10 @@
       </p:sp>
       <p:sp>
         <p:nvSpPr>
-          <p:cNvPr id="162" name="TextBox 161">
+          <p:cNvPr id="154" name="TextBox 153">
             <a:extLst>
               <a:ext uri="{FF2B5EF4-FFF2-40B4-BE49-F238E27FC236}">
-                <a16:creationId xmlns:a16="http://schemas.microsoft.com/office/drawing/2014/main" id="{AC9FB55B-B8CD-4CFC-BB5D-2C710E86985A}"/>
+                <a16:creationId xmlns:a16="http://schemas.microsoft.com/office/drawing/2014/main" id="{8F12A0C6-2627-41D7-83EB-3B4878AD38F0}"/>
               </a:ext>
             </a:extLst>
           </p:cNvPr>
@@ -15138,7 +15073,7 @@
         </p:nvSpPr>
         <p:spPr>
           <a:xfrm>
-            <a:off x="2796451" y="5374453"/>
+            <a:off x="2796451" y="5690461"/>
             <a:ext cx="533400" cy="369332"/>
           </a:xfrm>
           <a:prstGeom prst="rect">
@@ -15161,10 +15096,10 @@
       </p:sp>
       <p:sp>
         <p:nvSpPr>
-          <p:cNvPr id="163" name="TextBox 162">
+          <p:cNvPr id="155" name="TextBox 154">
             <a:extLst>
               <a:ext uri="{FF2B5EF4-FFF2-40B4-BE49-F238E27FC236}">
-                <a16:creationId xmlns:a16="http://schemas.microsoft.com/office/drawing/2014/main" id="{A5863E85-A059-4EFC-8C93-A4F4EB6C46AB}"/>
+                <a16:creationId xmlns:a16="http://schemas.microsoft.com/office/drawing/2014/main" id="{2832CD00-73F6-4C22-83C1-EED48B9EF8F7}"/>
               </a:ext>
             </a:extLst>
           </p:cNvPr>
@@ -15173,7 +15108,7 @@
         </p:nvSpPr>
         <p:spPr>
           <a:xfrm>
-            <a:off x="4369442" y="4850067"/>
+            <a:off x="4369442" y="5166075"/>
             <a:ext cx="533400" cy="369332"/>
           </a:xfrm>
           <a:prstGeom prst="rect">
@@ -15196,10 +15131,10 @@
       </p:sp>
       <p:sp>
         <p:nvSpPr>
-          <p:cNvPr id="164" name="TextBox 163">
+          <p:cNvPr id="156" name="TextBox 155">
             <a:extLst>
               <a:ext uri="{FF2B5EF4-FFF2-40B4-BE49-F238E27FC236}">
-                <a16:creationId xmlns:a16="http://schemas.microsoft.com/office/drawing/2014/main" id="{966B9E2D-59BD-4EA8-8FEB-B122CD6E7F87}"/>
+                <a16:creationId xmlns:a16="http://schemas.microsoft.com/office/drawing/2014/main" id="{C3D7CFDC-A136-4B3A-8709-3EE1769394D0}"/>
               </a:ext>
             </a:extLst>
           </p:cNvPr>
@@ -15208,7 +15143,7 @@
         </p:nvSpPr>
         <p:spPr>
           <a:xfrm>
-            <a:off x="4803725" y="5181537"/>
+            <a:off x="4803725" y="5497545"/>
             <a:ext cx="533400" cy="369332"/>
           </a:xfrm>
           <a:prstGeom prst="rect">
@@ -15231,10 +15166,10 @@
       </p:sp>
       <p:grpSp>
         <p:nvGrpSpPr>
-          <p:cNvPr id="171" name="Group 170">
+          <p:cNvPr id="157" name="Group 156">
             <a:extLst>
               <a:ext uri="{FF2B5EF4-FFF2-40B4-BE49-F238E27FC236}">
-                <a16:creationId xmlns:a16="http://schemas.microsoft.com/office/drawing/2014/main" id="{8017D317-A1F8-4219-AE1E-D7FF640082B6}"/>
+                <a16:creationId xmlns:a16="http://schemas.microsoft.com/office/drawing/2014/main" id="{05E66D70-B9F8-4CDC-AC8E-FB6EE8DA7594}"/>
               </a:ext>
             </a:extLst>
           </p:cNvPr>
@@ -15245,7 +15180,7 @@
         </p:nvGrpSpPr>
         <p:grpSpPr bwMode="auto">
           <a:xfrm>
-            <a:off x="4926787" y="6141438"/>
+            <a:off x="4926787" y="6457446"/>
             <a:ext cx="288925" cy="787400"/>
             <a:chOff x="1008" y="2592"/>
             <a:chExt cx="182" cy="496"/>
@@ -15253,10 +15188,10 @@
         </p:grpSpPr>
         <p:sp>
           <p:nvSpPr>
-            <p:cNvPr id="172" name="Line 171">
+            <p:cNvPr id="158" name="Line 171">
               <a:extLst>
                 <a:ext uri="{FF2B5EF4-FFF2-40B4-BE49-F238E27FC236}">
-                  <a16:creationId xmlns:a16="http://schemas.microsoft.com/office/drawing/2014/main" id="{601B6587-223A-410F-9804-74E8F2AAFDC3}"/>
+                  <a16:creationId xmlns:a16="http://schemas.microsoft.com/office/drawing/2014/main" id="{93EC7AE2-DF3B-43EC-8A43-4FF3DC694541}"/>
                 </a:ext>
               </a:extLst>
             </p:cNvPr>
@@ -15300,10 +15235,10 @@
         </p:sp>
         <p:sp>
           <p:nvSpPr>
-            <p:cNvPr id="173" name="Line 172">
+            <p:cNvPr id="159" name="Line 172">
               <a:extLst>
                 <a:ext uri="{FF2B5EF4-FFF2-40B4-BE49-F238E27FC236}">
-                  <a16:creationId xmlns:a16="http://schemas.microsoft.com/office/drawing/2014/main" id="{9E3D33E8-73E6-4C31-BC3D-14421B08EA55}"/>
+                  <a16:creationId xmlns:a16="http://schemas.microsoft.com/office/drawing/2014/main" id="{3FFE5C80-6FC3-4078-871A-F7515E1A266D}"/>
                 </a:ext>
               </a:extLst>
             </p:cNvPr>
@@ -15347,10 +15282,10 @@
         </p:sp>
         <p:grpSp>
           <p:nvGrpSpPr>
-            <p:cNvPr id="174" name="Group 173">
+            <p:cNvPr id="160" name="Group 159">
               <a:extLst>
                 <a:ext uri="{FF2B5EF4-FFF2-40B4-BE49-F238E27FC236}">
-                  <a16:creationId xmlns:a16="http://schemas.microsoft.com/office/drawing/2014/main" id="{5B87A625-F294-489B-98A1-33A52BC23299}"/>
+                  <a16:creationId xmlns:a16="http://schemas.microsoft.com/office/drawing/2014/main" id="{C397BDF3-1ACD-4A1D-BF3A-A4EEE0539619}"/>
                 </a:ext>
               </a:extLst>
             </p:cNvPr>
@@ -15369,10 +15304,10 @@
           </p:grpSpPr>
           <p:sp>
             <p:nvSpPr>
-              <p:cNvPr id="175" name="Freeform 174">
+              <p:cNvPr id="161" name="Freeform 174">
                 <a:extLst>
                   <a:ext uri="{FF2B5EF4-FFF2-40B4-BE49-F238E27FC236}">
-                    <a16:creationId xmlns:a16="http://schemas.microsoft.com/office/drawing/2014/main" id="{87925E0C-982C-420D-AA11-8967B439E969}"/>
+                    <a16:creationId xmlns:a16="http://schemas.microsoft.com/office/drawing/2014/main" id="{CFD0B57D-6E66-43DF-8129-D500C24DCF0E}"/>
                   </a:ext>
                 </a:extLst>
               </p:cNvPr>
@@ -15542,10 +15477,10 @@
           </p:sp>
           <p:sp>
             <p:nvSpPr>
-              <p:cNvPr id="176" name="Freeform 175">
+              <p:cNvPr id="162" name="Freeform 175">
                 <a:extLst>
                   <a:ext uri="{FF2B5EF4-FFF2-40B4-BE49-F238E27FC236}">
-                    <a16:creationId xmlns:a16="http://schemas.microsoft.com/office/drawing/2014/main" id="{22843A79-C2AE-445C-B50B-022426EB7B20}"/>
+                    <a16:creationId xmlns:a16="http://schemas.microsoft.com/office/drawing/2014/main" id="{A3548A84-10F6-4B36-803E-06E2A5D0F829}"/>
                   </a:ext>
                 </a:extLst>
               </p:cNvPr>
@@ -15737,7 +15672,7 @@
         <p:spPr>
           <a:xfrm>
             <a:off x="838199" y="1447800"/>
-            <a:ext cx="5638800" cy="307777"/>
+            <a:ext cx="5638800" cy="523220"/>
           </a:xfrm>
           <a:prstGeom prst="rect">
             <a:avLst/>
@@ -15756,7 +15691,17 @@
                 <a:ea typeface="ＭＳ Ｐゴシック" pitchFamily="-112" charset="-128"/>
                 <a:cs typeface="Times New Roman" pitchFamily="-112" charset="0"/>
               </a:rPr>
-              <a:t>Only T1 is arms-reach from start position</a:t>
+              <a:t>Only T1 visible from P1.</a:t>
+            </a:r>
+          </a:p>
+          <a:p>
+            <a:r>
+              <a:rPr lang="en-US" sz="1400" dirty="0">
+                <a:latin typeface="Arial" charset="0"/>
+                <a:ea typeface="ＭＳ Ｐゴシック" pitchFamily="-112" charset="-128"/>
+                <a:cs typeface="Times New Roman" pitchFamily="-112" charset="0"/>
+              </a:rPr>
+              <a:t>P4 fault line must angle sharply at P3 to avoid gaming positions</a:t>
             </a:r>
           </a:p>
         </p:txBody>
@@ -18682,7 +18627,7 @@
     </p:spTree>
     <p:extLst>
       <p:ext uri="{BB962C8B-B14F-4D97-AF65-F5344CB8AC3E}">
-        <p14:creationId xmlns:p14="http://schemas.microsoft.com/office/powerpoint/2010/main" val="4083254824"/>
+        <p14:creationId xmlns:p14="http://schemas.microsoft.com/office/powerpoint/2010/main" val="370317056"/>
       </p:ext>
     </p:extLst>
   </p:cSld>
